--- a/项目文件/ERP业务逻辑以及各部门工作分工.pptx
+++ b/项目文件/ERP业务逻辑以及各部门工作分工.pptx
@@ -5211,7 +5211,7 @@
                 <a:solidFill>
                   <a:srgbClr val="000000"/>
                 </a:solidFill>
-                <a:latin typeface="Calibri"/>
+                <a:latin typeface="Calibri" panose="020F0502020204030204"/>
                 <a:ea typeface="宋体" panose="02010600030101010101" pitchFamily="2" charset="-122"/>
                 <a:cs typeface="Times New Roman" panose="02020603050405020304"/>
                 <a:sym typeface="Times New Roman" panose="02020603050405020304"/>
@@ -5222,7 +5222,7 @@
               <a:solidFill>
                 <a:srgbClr val="000000"/>
               </a:solidFill>
-              <a:latin typeface="Calibri"/>
+              <a:latin typeface="Calibri" panose="020F0502020204030204"/>
               <a:ea typeface="宋体" panose="02010600030101010101" pitchFamily="2" charset="-122"/>
               <a:cs typeface="Times New Roman" panose="02020603050405020304"/>
               <a:sym typeface="Times New Roman" panose="02020603050405020304"/>
@@ -5274,7 +5274,7 @@
                 <a:solidFill>
                   <a:srgbClr val="000000"/>
                 </a:solidFill>
-                <a:latin typeface="Calibri"/>
+                <a:latin typeface="Calibri" panose="020F0502020204030204"/>
                 <a:ea typeface="宋体" panose="02010600030101010101" pitchFamily="2" charset="-122"/>
                 <a:cs typeface="Times New Roman" panose="02020603050405020304"/>
                 <a:sym typeface="Times New Roman" panose="02020603050405020304"/>
@@ -5285,7 +5285,7 @@
               <a:solidFill>
                 <a:srgbClr val="000000"/>
               </a:solidFill>
-              <a:latin typeface="Calibri"/>
+              <a:latin typeface="Calibri" panose="020F0502020204030204"/>
               <a:ea typeface="宋体" panose="02010600030101010101" pitchFamily="2" charset="-122"/>
               <a:cs typeface="Times New Roman" panose="02020603050405020304"/>
               <a:sym typeface="Times New Roman" panose="02020603050405020304"/>
@@ -5298,7 +5298,7 @@
                 <a:solidFill>
                   <a:srgbClr val="000000"/>
                 </a:solidFill>
-                <a:latin typeface="Calibri"/>
+                <a:latin typeface="Calibri" panose="020F0502020204030204"/>
                 <a:ea typeface="宋体" panose="02010600030101010101" pitchFamily="2" charset="-122"/>
                 <a:cs typeface="Times New Roman" panose="02020603050405020304"/>
                 <a:sym typeface="Times New Roman" panose="02020603050405020304"/>
@@ -5310,7 +5310,7 @@
                 <a:solidFill>
                   <a:srgbClr val="000000"/>
                 </a:solidFill>
-                <a:latin typeface="Calibri"/>
+                <a:latin typeface="Calibri" panose="020F0502020204030204"/>
                 <a:ea typeface="宋体" panose="02010600030101010101" pitchFamily="2" charset="-122"/>
                 <a:cs typeface="Times New Roman" panose="02020603050405020304"/>
                 <a:sym typeface="Times New Roman" panose="02020603050405020304"/>
@@ -5322,7 +5322,7 @@
                 <a:solidFill>
                   <a:srgbClr val="000000"/>
                 </a:solidFill>
-                <a:latin typeface="Calibri"/>
+                <a:latin typeface="Calibri" panose="020F0502020204030204"/>
                 <a:ea typeface="宋体" panose="02010600030101010101" pitchFamily="2" charset="-122"/>
                 <a:cs typeface="Times New Roman" panose="02020603050405020304"/>
                 <a:sym typeface="Times New Roman" panose="02020603050405020304"/>
@@ -5334,7 +5334,7 @@
                 <a:solidFill>
                   <a:srgbClr val="000000"/>
                 </a:solidFill>
-                <a:latin typeface="Calibri"/>
+                <a:latin typeface="Calibri" panose="020F0502020204030204"/>
                 <a:ea typeface="宋体" panose="02010600030101010101" pitchFamily="2" charset="-122"/>
                 <a:cs typeface="Times New Roman" panose="02020603050405020304"/>
                 <a:sym typeface="Times New Roman" panose="02020603050405020304"/>
@@ -5345,7 +5345,7 @@
               <a:solidFill>
                 <a:srgbClr val="000000"/>
               </a:solidFill>
-              <a:latin typeface="Calibri"/>
+              <a:latin typeface="Calibri" panose="020F0502020204030204"/>
               <a:ea typeface="宋体" panose="02010600030101010101" pitchFamily="2" charset="-122"/>
               <a:cs typeface="Times New Roman" panose="02020603050405020304"/>
               <a:sym typeface="Times New Roman" panose="02020603050405020304"/>
@@ -5397,7 +5397,7 @@
                 <a:solidFill>
                   <a:srgbClr val="000000"/>
                 </a:solidFill>
-                <a:latin typeface="Calibri"/>
+                <a:latin typeface="Calibri" panose="020F0502020204030204"/>
                 <a:ea typeface="宋体" panose="02010600030101010101" pitchFamily="2" charset="-122"/>
                 <a:cs typeface="Times New Roman" panose="02020603050405020304"/>
                 <a:sym typeface="Times New Roman" panose="02020603050405020304"/>
@@ -5408,7 +5408,7 @@
               <a:solidFill>
                 <a:srgbClr val="000000"/>
               </a:solidFill>
-              <a:latin typeface="Calibri"/>
+              <a:latin typeface="Calibri" panose="020F0502020204030204"/>
               <a:ea typeface="宋体" panose="02010600030101010101" pitchFamily="2" charset="-122"/>
               <a:cs typeface="Times New Roman" panose="02020603050405020304"/>
               <a:sym typeface="Times New Roman" panose="02020603050405020304"/>
@@ -5421,7 +5421,7 @@
                 <a:solidFill>
                   <a:srgbClr val="000000"/>
                 </a:solidFill>
-                <a:latin typeface="Calibri"/>
+                <a:latin typeface="Calibri" panose="020F0502020204030204"/>
                 <a:ea typeface="宋体" panose="02010600030101010101" pitchFamily="2" charset="-122"/>
                 <a:cs typeface="Times New Roman" panose="02020603050405020304"/>
                 <a:sym typeface="Times New Roman" panose="02020603050405020304"/>
@@ -5433,7 +5433,7 @@
                 <a:solidFill>
                   <a:srgbClr val="000000"/>
                 </a:solidFill>
-                <a:latin typeface="Calibri"/>
+                <a:latin typeface="Calibri" panose="020F0502020204030204"/>
                 <a:ea typeface="宋体" panose="02010600030101010101" pitchFamily="2" charset="-122"/>
                 <a:cs typeface="Times New Roman" panose="02020603050405020304"/>
                 <a:sym typeface="Times New Roman" panose="02020603050405020304"/>
@@ -5445,7 +5445,7 @@
                 <a:solidFill>
                   <a:srgbClr val="000000"/>
                 </a:solidFill>
-                <a:latin typeface="Calibri"/>
+                <a:latin typeface="Calibri" panose="020F0502020204030204"/>
                 <a:ea typeface="宋体" panose="02010600030101010101" pitchFamily="2" charset="-122"/>
                 <a:cs typeface="Times New Roman" panose="02020603050405020304"/>
                 <a:sym typeface="Times New Roman" panose="02020603050405020304"/>
@@ -5457,7 +5457,7 @@
                 <a:solidFill>
                   <a:srgbClr val="000000"/>
                 </a:solidFill>
-                <a:latin typeface="Calibri"/>
+                <a:latin typeface="Calibri" panose="020F0502020204030204"/>
                 <a:ea typeface="宋体" panose="02010600030101010101" pitchFamily="2" charset="-122"/>
                 <a:cs typeface="Times New Roman" panose="02020603050405020304"/>
                 <a:sym typeface="Times New Roman" panose="02020603050405020304"/>
@@ -5469,7 +5469,7 @@
                 <a:solidFill>
                   <a:srgbClr val="000000"/>
                 </a:solidFill>
-                <a:latin typeface="Calibri"/>
+                <a:latin typeface="Calibri" panose="020F0502020204030204"/>
                 <a:ea typeface="宋体" panose="02010600030101010101" pitchFamily="2" charset="-122"/>
                 <a:cs typeface="Times New Roman" panose="02020603050405020304"/>
                 <a:sym typeface="Times New Roman" panose="02020603050405020304"/>
@@ -5481,7 +5481,7 @@
                 <a:solidFill>
                   <a:srgbClr val="000000"/>
                 </a:solidFill>
-                <a:latin typeface="Calibri"/>
+                <a:latin typeface="Calibri" panose="020F0502020204030204"/>
                 <a:ea typeface="宋体" panose="02010600030101010101" pitchFamily="2" charset="-122"/>
                 <a:cs typeface="Times New Roman" panose="02020603050405020304"/>
                 <a:sym typeface="Times New Roman" panose="02020603050405020304"/>
@@ -5493,7 +5493,7 @@
                 <a:solidFill>
                   <a:srgbClr val="000000"/>
                 </a:solidFill>
-                <a:latin typeface="Calibri"/>
+                <a:latin typeface="Calibri" panose="020F0502020204030204"/>
                 <a:ea typeface="宋体" panose="02010600030101010101" pitchFamily="2" charset="-122"/>
                 <a:cs typeface="Times New Roman" panose="02020603050405020304"/>
                 <a:sym typeface="Times New Roman" panose="02020603050405020304"/>
@@ -5505,7 +5505,7 @@
                 <a:solidFill>
                   <a:srgbClr val="000000"/>
                 </a:solidFill>
-                <a:latin typeface="Calibri"/>
+                <a:latin typeface="Calibri" panose="020F0502020204030204"/>
                 <a:ea typeface="宋体" panose="02010600030101010101" pitchFamily="2" charset="-122"/>
                 <a:cs typeface="Times New Roman" panose="02020603050405020304"/>
                 <a:sym typeface="Times New Roman" panose="02020603050405020304"/>
@@ -5517,7 +5517,7 @@
                 <a:solidFill>
                   <a:srgbClr val="000000"/>
                 </a:solidFill>
-                <a:latin typeface="Calibri"/>
+                <a:latin typeface="Calibri" panose="020F0502020204030204"/>
                 <a:ea typeface="宋体" panose="02010600030101010101" pitchFamily="2" charset="-122"/>
                 <a:cs typeface="Times New Roman" panose="02020603050405020304"/>
                 <a:sym typeface="Times New Roman" panose="02020603050405020304"/>
@@ -5528,7 +5528,7 @@
               <a:solidFill>
                 <a:srgbClr val="000000"/>
               </a:solidFill>
-              <a:latin typeface="Calibri"/>
+              <a:latin typeface="Calibri" panose="020F0502020204030204"/>
               <a:ea typeface="宋体" panose="02010600030101010101" pitchFamily="2" charset="-122"/>
               <a:cs typeface="Times New Roman" panose="02020603050405020304"/>
               <a:sym typeface="Times New Roman" panose="02020603050405020304"/>
@@ -5541,7 +5541,7 @@
                 <a:solidFill>
                   <a:srgbClr val="000000"/>
                 </a:solidFill>
-                <a:latin typeface="Calibri"/>
+                <a:latin typeface="Calibri" panose="020F0502020204030204"/>
                 <a:ea typeface="宋体" panose="02010600030101010101" pitchFamily="2" charset="-122"/>
                 <a:cs typeface="Times New Roman" panose="02020603050405020304"/>
                 <a:sym typeface="Times New Roman" panose="02020603050405020304"/>
@@ -5553,7 +5553,7 @@
                 <a:solidFill>
                   <a:srgbClr val="000000"/>
                 </a:solidFill>
-                <a:latin typeface="Calibri"/>
+                <a:latin typeface="Calibri" panose="020F0502020204030204"/>
                 <a:ea typeface="宋体" panose="02010600030101010101" pitchFamily="2" charset="-122"/>
                 <a:cs typeface="Times New Roman" panose="02020603050405020304"/>
                 <a:sym typeface="Times New Roman" panose="02020603050405020304"/>
@@ -5565,7 +5565,7 @@
                 <a:solidFill>
                   <a:srgbClr val="000000"/>
                 </a:solidFill>
-                <a:latin typeface="Calibri"/>
+                <a:latin typeface="Calibri" panose="020F0502020204030204"/>
                 <a:ea typeface="宋体" panose="02010600030101010101" pitchFamily="2" charset="-122"/>
                 <a:cs typeface="Times New Roman" panose="02020603050405020304"/>
                 <a:sym typeface="Times New Roman" panose="02020603050405020304"/>
@@ -5577,7 +5577,7 @@
                 <a:solidFill>
                   <a:srgbClr val="000000"/>
                 </a:solidFill>
-                <a:latin typeface="Calibri"/>
+                <a:latin typeface="Calibri" panose="020F0502020204030204"/>
                 <a:ea typeface="宋体" panose="02010600030101010101" pitchFamily="2" charset="-122"/>
                 <a:cs typeface="Times New Roman" panose="02020603050405020304"/>
                 <a:sym typeface="Times New Roman" panose="02020603050405020304"/>
@@ -5589,7 +5589,7 @@
                 <a:solidFill>
                   <a:srgbClr val="000000"/>
                 </a:solidFill>
-                <a:latin typeface="Calibri"/>
+                <a:latin typeface="Calibri" panose="020F0502020204030204"/>
                 <a:ea typeface="宋体" panose="02010600030101010101" pitchFamily="2" charset="-122"/>
                 <a:cs typeface="Times New Roman" panose="02020603050405020304"/>
                 <a:sym typeface="Times New Roman" panose="02020603050405020304"/>
@@ -5600,7 +5600,7 @@
               <a:solidFill>
                 <a:srgbClr val="000000"/>
               </a:solidFill>
-              <a:latin typeface="Calibri"/>
+              <a:latin typeface="Calibri" panose="020F0502020204030204"/>
               <a:ea typeface="宋体" panose="02010600030101010101" pitchFamily="2" charset="-122"/>
               <a:cs typeface="Times New Roman" panose="02020603050405020304"/>
               <a:sym typeface="Times New Roman" panose="02020603050405020304"/>
@@ -5613,7 +5613,7 @@
                 <a:solidFill>
                   <a:srgbClr val="000000"/>
                 </a:solidFill>
-                <a:latin typeface="Calibri"/>
+                <a:latin typeface="Calibri" panose="020F0502020204030204"/>
                 <a:ea typeface="宋体" panose="02010600030101010101" pitchFamily="2" charset="-122"/>
                 <a:cs typeface="Times New Roman" panose="02020603050405020304"/>
                 <a:sym typeface="Times New Roman" panose="02020603050405020304"/>
@@ -5625,7 +5625,7 @@
                 <a:solidFill>
                   <a:srgbClr val="000000"/>
                 </a:solidFill>
-                <a:latin typeface="Calibri"/>
+                <a:latin typeface="Calibri" panose="020F0502020204030204"/>
                 <a:ea typeface="宋体" panose="02010600030101010101" pitchFamily="2" charset="-122"/>
                 <a:cs typeface="Times New Roman" panose="02020603050405020304"/>
                 <a:sym typeface="Times New Roman" panose="02020603050405020304"/>
@@ -5637,7 +5637,7 @@
                 <a:solidFill>
                   <a:srgbClr val="000000"/>
                 </a:solidFill>
-                <a:latin typeface="Calibri"/>
+                <a:latin typeface="Calibri" panose="020F0502020204030204"/>
                 <a:ea typeface="宋体" panose="02010600030101010101" pitchFamily="2" charset="-122"/>
                 <a:cs typeface="Times New Roman" panose="02020603050405020304"/>
                 <a:sym typeface="Times New Roman" panose="02020603050405020304"/>
@@ -5649,7 +5649,7 @@
                 <a:solidFill>
                   <a:srgbClr val="000000"/>
                 </a:solidFill>
-                <a:latin typeface="Calibri"/>
+                <a:latin typeface="Calibri" panose="020F0502020204030204"/>
                 <a:ea typeface="宋体" panose="02010600030101010101" pitchFamily="2" charset="-122"/>
                 <a:cs typeface="Times New Roman" panose="02020603050405020304"/>
                 <a:sym typeface="Times New Roman" panose="02020603050405020304"/>
@@ -5661,7 +5661,7 @@
                 <a:solidFill>
                   <a:srgbClr val="000000"/>
                 </a:solidFill>
-                <a:latin typeface="Calibri"/>
+                <a:latin typeface="Calibri" panose="020F0502020204030204"/>
                 <a:ea typeface="宋体" panose="02010600030101010101" pitchFamily="2" charset="-122"/>
                 <a:cs typeface="Times New Roman" panose="02020603050405020304"/>
                 <a:sym typeface="Times New Roman" panose="02020603050405020304"/>
@@ -5672,7 +5672,7 @@
               <a:solidFill>
                 <a:srgbClr val="000000"/>
               </a:solidFill>
-              <a:latin typeface="Calibri"/>
+              <a:latin typeface="Calibri" panose="020F0502020204030204"/>
               <a:ea typeface="宋体" panose="02010600030101010101" pitchFamily="2" charset="-122"/>
               <a:cs typeface="Times New Roman" panose="02020603050405020304"/>
               <a:sym typeface="Times New Roman" panose="02020603050405020304"/>
@@ -5685,7 +5685,7 @@
                 <a:solidFill>
                   <a:srgbClr val="000000"/>
                 </a:solidFill>
-                <a:latin typeface="Calibri"/>
+                <a:latin typeface="Calibri" panose="020F0502020204030204"/>
                 <a:ea typeface="宋体" panose="02010600030101010101" pitchFamily="2" charset="-122"/>
                 <a:cs typeface="Times New Roman" panose="02020603050405020304"/>
                 <a:sym typeface="Times New Roman" panose="02020603050405020304"/>
@@ -5696,7 +5696,7 @@
               <a:solidFill>
                 <a:srgbClr val="000000"/>
               </a:solidFill>
-              <a:latin typeface="Calibri"/>
+              <a:latin typeface="Calibri" panose="020F0502020204030204"/>
               <a:ea typeface="宋体" panose="02010600030101010101" pitchFamily="2" charset="-122"/>
               <a:cs typeface="Times New Roman" panose="02020603050405020304"/>
               <a:sym typeface="Times New Roman" panose="02020603050405020304"/>
@@ -5709,7 +5709,7 @@
                 <a:solidFill>
                   <a:srgbClr val="000000"/>
                 </a:solidFill>
-                <a:latin typeface="Calibri"/>
+                <a:latin typeface="Calibri" panose="020F0502020204030204"/>
                 <a:ea typeface="宋体" panose="02010600030101010101" pitchFamily="2" charset="-122"/>
                 <a:cs typeface="Times New Roman" panose="02020603050405020304"/>
                 <a:sym typeface="Times New Roman" panose="02020603050405020304"/>
@@ -5720,7 +5720,7 @@
               <a:solidFill>
                 <a:srgbClr val="000000"/>
               </a:solidFill>
-              <a:latin typeface="Calibri"/>
+              <a:latin typeface="Calibri" panose="020F0502020204030204"/>
               <a:ea typeface="宋体" panose="02010600030101010101" pitchFamily="2" charset="-122"/>
               <a:cs typeface="Times New Roman" panose="02020603050405020304"/>
               <a:sym typeface="Times New Roman" panose="02020603050405020304"/>
@@ -5772,7 +5772,7 @@
                 <a:solidFill>
                   <a:srgbClr val="000000"/>
                 </a:solidFill>
-                <a:latin typeface="Calibri"/>
+                <a:latin typeface="Calibri" panose="020F0502020204030204"/>
                 <a:ea typeface="宋体" panose="02010600030101010101" pitchFamily="2" charset="-122"/>
                 <a:cs typeface="Times New Roman" panose="02020603050405020304"/>
                 <a:sym typeface="Times New Roman" panose="02020603050405020304"/>
@@ -5783,7 +5783,7 @@
               <a:solidFill>
                 <a:srgbClr val="000000"/>
               </a:solidFill>
-              <a:latin typeface="Calibri"/>
+              <a:latin typeface="Calibri" panose="020F0502020204030204"/>
               <a:ea typeface="宋体" panose="02010600030101010101" pitchFamily="2" charset="-122"/>
               <a:cs typeface="Times New Roman" panose="02020603050405020304"/>
               <a:sym typeface="Times New Roman" panose="02020603050405020304"/>
@@ -5796,7 +5796,7 @@
                 <a:solidFill>
                   <a:srgbClr val="000000"/>
                 </a:solidFill>
-                <a:latin typeface="Calibri"/>
+                <a:latin typeface="Calibri" panose="020F0502020204030204"/>
                 <a:ea typeface="宋体" panose="02010600030101010101" pitchFamily="2" charset="-122"/>
                 <a:cs typeface="Times New Roman" panose="02020603050405020304"/>
                 <a:sym typeface="Times New Roman" panose="02020603050405020304"/>
@@ -5808,7 +5808,7 @@
                 <a:solidFill>
                   <a:srgbClr val="000000"/>
                 </a:solidFill>
-                <a:latin typeface="Calibri"/>
+                <a:latin typeface="Calibri" panose="020F0502020204030204"/>
                 <a:ea typeface="宋体" panose="02010600030101010101" pitchFamily="2" charset="-122"/>
                 <a:cs typeface="Times New Roman" panose="02020603050405020304"/>
                 <a:sym typeface="Times New Roman" panose="02020603050405020304"/>
@@ -5820,7 +5820,7 @@
                 <a:solidFill>
                   <a:srgbClr val="000000"/>
                 </a:solidFill>
-                <a:latin typeface="Calibri"/>
+                <a:latin typeface="Calibri" panose="020F0502020204030204"/>
                 <a:ea typeface="宋体" panose="02010600030101010101" pitchFamily="2" charset="-122"/>
                 <a:cs typeface="Times New Roman" panose="02020603050405020304"/>
                 <a:sym typeface="Times New Roman" panose="02020603050405020304"/>
@@ -5832,7 +5832,7 @@
                 <a:solidFill>
                   <a:srgbClr val="000000"/>
                 </a:solidFill>
-                <a:latin typeface="Calibri"/>
+                <a:latin typeface="Calibri" panose="020F0502020204030204"/>
                 <a:ea typeface="宋体" panose="02010600030101010101" pitchFamily="2" charset="-122"/>
                 <a:cs typeface="Times New Roman" panose="02020603050405020304"/>
                 <a:sym typeface="Times New Roman" panose="02020603050405020304"/>
@@ -5844,7 +5844,7 @@
                 <a:solidFill>
                   <a:srgbClr val="000000"/>
                 </a:solidFill>
-                <a:latin typeface="Calibri"/>
+                <a:latin typeface="Calibri" panose="020F0502020204030204"/>
                 <a:ea typeface="宋体" panose="02010600030101010101" pitchFamily="2" charset="-122"/>
                 <a:cs typeface="Times New Roman" panose="02020603050405020304"/>
                 <a:sym typeface="Times New Roman" panose="02020603050405020304"/>
@@ -5855,7 +5855,7 @@
               <a:solidFill>
                 <a:srgbClr val="000000"/>
               </a:solidFill>
-              <a:latin typeface="Calibri"/>
+              <a:latin typeface="Calibri" panose="020F0502020204030204"/>
               <a:ea typeface="宋体" panose="02010600030101010101" pitchFamily="2" charset="-122"/>
               <a:cs typeface="Times New Roman" panose="02020603050405020304"/>
               <a:sym typeface="Times New Roman" panose="02020603050405020304"/>
@@ -5907,7 +5907,7 @@
                 <a:solidFill>
                   <a:srgbClr val="000000"/>
                 </a:solidFill>
-                <a:latin typeface="Calibri"/>
+                <a:latin typeface="Calibri" panose="020F0502020204030204"/>
                 <a:ea typeface="宋体" panose="02010600030101010101" pitchFamily="2" charset="-122"/>
                 <a:cs typeface="Times New Roman" panose="02020603050405020304"/>
                 <a:sym typeface="Times New Roman" panose="02020603050405020304"/>
@@ -5918,7 +5918,7 @@
               <a:solidFill>
                 <a:srgbClr val="000000"/>
               </a:solidFill>
-              <a:latin typeface="Calibri"/>
+              <a:latin typeface="Calibri" panose="020F0502020204030204"/>
               <a:ea typeface="宋体" panose="02010600030101010101" pitchFamily="2" charset="-122"/>
               <a:cs typeface="Times New Roman" panose="02020603050405020304"/>
               <a:sym typeface="Times New Roman" panose="02020603050405020304"/>
@@ -5931,7 +5931,7 @@
                 <a:solidFill>
                   <a:srgbClr val="000000"/>
                 </a:solidFill>
-                <a:latin typeface="Calibri"/>
+                <a:latin typeface="Calibri" panose="020F0502020204030204"/>
                 <a:ea typeface="宋体" panose="02010600030101010101" pitchFamily="2" charset="-122"/>
                 <a:cs typeface="Times New Roman" panose="02020603050405020304"/>
                 <a:sym typeface="Times New Roman" panose="02020603050405020304"/>
@@ -5942,7 +5942,7 @@
               <a:solidFill>
                 <a:srgbClr val="000000"/>
               </a:solidFill>
-              <a:latin typeface="Calibri"/>
+              <a:latin typeface="Calibri" panose="020F0502020204030204"/>
               <a:ea typeface="宋体" panose="02010600030101010101" pitchFamily="2" charset="-122"/>
               <a:cs typeface="Times New Roman" panose="02020603050405020304"/>
               <a:sym typeface="Times New Roman" panose="02020603050405020304"/>
@@ -6023,7 +6023,7 @@
                 <a:solidFill>
                   <a:srgbClr val="000000"/>
                 </a:solidFill>
-                <a:latin typeface="Calibri"/>
+                <a:latin typeface="Calibri" panose="020F0502020204030204"/>
                 <a:ea typeface="宋体" panose="02010600030101010101" pitchFamily="2" charset="-122"/>
                 <a:cs typeface="Times New Roman" panose="02020603050405020304"/>
                 <a:sym typeface="Times New Roman" panose="02020603050405020304"/>
@@ -6034,7 +6034,7 @@
               <a:solidFill>
                 <a:srgbClr val="000000"/>
               </a:solidFill>
-              <a:latin typeface="Calibri"/>
+              <a:latin typeface="Calibri" panose="020F0502020204030204"/>
               <a:ea typeface="宋体" panose="02010600030101010101" pitchFamily="2" charset="-122"/>
               <a:cs typeface="Times New Roman" panose="02020603050405020304"/>
               <a:sym typeface="Times New Roman" panose="02020603050405020304"/>
@@ -6116,7 +6116,7 @@
                 <a:solidFill>
                   <a:srgbClr val="000000"/>
                 </a:solidFill>
-                <a:latin typeface="Calibri"/>
+                <a:latin typeface="Calibri" panose="020F0502020204030204"/>
                 <a:ea typeface="宋体" panose="02010600030101010101" pitchFamily="2" charset="-122"/>
                 <a:cs typeface="Times New Roman" panose="02020603050405020304"/>
                 <a:sym typeface="Times New Roman" panose="02020603050405020304"/>
@@ -6127,7 +6127,7 @@
               <a:solidFill>
                 <a:srgbClr val="000000"/>
               </a:solidFill>
-              <a:latin typeface="Calibri"/>
+              <a:latin typeface="Calibri" panose="020F0502020204030204"/>
               <a:ea typeface="宋体" panose="02010600030101010101" pitchFamily="2" charset="-122"/>
               <a:cs typeface="Times New Roman" panose="02020603050405020304"/>
               <a:sym typeface="Times New Roman" panose="02020603050405020304"/>
@@ -6140,7 +6140,7 @@
                 <a:solidFill>
                   <a:srgbClr val="000000"/>
                 </a:solidFill>
-                <a:latin typeface="Calibri"/>
+                <a:latin typeface="Calibri" panose="020F0502020204030204"/>
                 <a:ea typeface="宋体" panose="02010600030101010101" pitchFamily="2" charset="-122"/>
                 <a:cs typeface="Times New Roman" panose="02020603050405020304"/>
                 <a:sym typeface="Times New Roman" panose="02020603050405020304"/>
@@ -6152,7 +6152,7 @@
                 <a:solidFill>
                   <a:srgbClr val="000000"/>
                 </a:solidFill>
-                <a:latin typeface="Calibri"/>
+                <a:latin typeface="Calibri" panose="020F0502020204030204"/>
                 <a:ea typeface="宋体" panose="02010600030101010101" pitchFamily="2" charset="-122"/>
                 <a:cs typeface="Times New Roman" panose="02020603050405020304"/>
                 <a:sym typeface="Times New Roman" panose="02020603050405020304"/>
@@ -6164,7 +6164,7 @@
                 <a:solidFill>
                   <a:srgbClr val="000000"/>
                 </a:solidFill>
-                <a:latin typeface="Calibri"/>
+                <a:latin typeface="Calibri" panose="020F0502020204030204"/>
                 <a:ea typeface="宋体" panose="02010600030101010101" pitchFamily="2" charset="-122"/>
                 <a:cs typeface="Times New Roman" panose="02020603050405020304"/>
                 <a:sym typeface="Times New Roman" panose="02020603050405020304"/>
@@ -6176,7 +6176,7 @@
                 <a:solidFill>
                   <a:srgbClr val="000000"/>
                 </a:solidFill>
-                <a:latin typeface="Calibri"/>
+                <a:latin typeface="Calibri" panose="020F0502020204030204"/>
                 <a:ea typeface="宋体" panose="02010600030101010101" pitchFamily="2" charset="-122"/>
                 <a:cs typeface="Times New Roman" panose="02020603050405020304"/>
                 <a:sym typeface="Times New Roman" panose="02020603050405020304"/>
@@ -6188,7 +6188,7 @@
                 <a:solidFill>
                   <a:srgbClr val="000000"/>
                 </a:solidFill>
-                <a:latin typeface="Calibri"/>
+                <a:latin typeface="Calibri" panose="020F0502020204030204"/>
                 <a:ea typeface="宋体" panose="02010600030101010101" pitchFamily="2" charset="-122"/>
                 <a:cs typeface="Times New Roman" panose="02020603050405020304"/>
                 <a:sym typeface="Times New Roman" panose="02020603050405020304"/>
@@ -6200,7 +6200,7 @@
                 <a:solidFill>
                   <a:srgbClr val="000000"/>
                 </a:solidFill>
-                <a:latin typeface="Calibri"/>
+                <a:latin typeface="Calibri" panose="020F0502020204030204"/>
                 <a:ea typeface="宋体" panose="02010600030101010101" pitchFamily="2" charset="-122"/>
                 <a:cs typeface="Times New Roman" panose="02020603050405020304"/>
                 <a:sym typeface="Times New Roman" panose="02020603050405020304"/>
@@ -6212,7 +6212,7 @@
                 <a:solidFill>
                   <a:srgbClr val="000000"/>
                 </a:solidFill>
-                <a:latin typeface="Calibri"/>
+                <a:latin typeface="Calibri" panose="020F0502020204030204"/>
                 <a:ea typeface="宋体" panose="02010600030101010101" pitchFamily="2" charset="-122"/>
                 <a:cs typeface="Times New Roman" panose="02020603050405020304"/>
                 <a:sym typeface="Times New Roman" panose="02020603050405020304"/>
@@ -6224,7 +6224,7 @@
                 <a:solidFill>
                   <a:srgbClr val="000000"/>
                 </a:solidFill>
-                <a:latin typeface="Calibri"/>
+                <a:latin typeface="Calibri" panose="020F0502020204030204"/>
                 <a:ea typeface="宋体" panose="02010600030101010101" pitchFamily="2" charset="-122"/>
                 <a:cs typeface="Times New Roman" panose="02020603050405020304"/>
                 <a:sym typeface="Times New Roman" panose="02020603050405020304"/>
@@ -6236,7 +6236,7 @@
                 <a:solidFill>
                   <a:srgbClr val="000000"/>
                 </a:solidFill>
-                <a:latin typeface="Calibri"/>
+                <a:latin typeface="Calibri" panose="020F0502020204030204"/>
                 <a:ea typeface="宋体" panose="02010600030101010101" pitchFamily="2" charset="-122"/>
                 <a:cs typeface="Times New Roman" panose="02020603050405020304"/>
                 <a:sym typeface="Times New Roman" panose="02020603050405020304"/>
@@ -6247,7 +6247,7 @@
               <a:solidFill>
                 <a:srgbClr val="000000"/>
               </a:solidFill>
-              <a:latin typeface="Calibri"/>
+              <a:latin typeface="Calibri" panose="020F0502020204030204"/>
               <a:ea typeface="宋体" panose="02010600030101010101" pitchFamily="2" charset="-122"/>
               <a:cs typeface="Times New Roman" panose="02020603050405020304"/>
               <a:sym typeface="Times New Roman" panose="02020603050405020304"/>
@@ -6260,7 +6260,7 @@
                 <a:solidFill>
                   <a:srgbClr val="000000"/>
                 </a:solidFill>
-                <a:latin typeface="Calibri"/>
+                <a:latin typeface="Calibri" panose="020F0502020204030204"/>
                 <a:ea typeface="宋体" panose="02010600030101010101" pitchFamily="2" charset="-122"/>
                 <a:cs typeface="Times New Roman" panose="02020603050405020304"/>
                 <a:sym typeface="Times New Roman" panose="02020603050405020304"/>
@@ -6271,7 +6271,7 @@
               <a:solidFill>
                 <a:srgbClr val="000000"/>
               </a:solidFill>
-              <a:latin typeface="Calibri"/>
+              <a:latin typeface="Calibri" panose="020F0502020204030204"/>
               <a:ea typeface="宋体" panose="02010600030101010101" pitchFamily="2" charset="-122"/>
               <a:cs typeface="Times New Roman" panose="02020603050405020304"/>
               <a:sym typeface="Times New Roman" panose="02020603050405020304"/>
@@ -6323,7 +6323,7 @@
                 <a:solidFill>
                   <a:srgbClr val="000000"/>
                 </a:solidFill>
-                <a:latin typeface="Calibri"/>
+                <a:latin typeface="Calibri" panose="020F0502020204030204"/>
                 <a:ea typeface="宋体" panose="02010600030101010101" pitchFamily="2" charset="-122"/>
                 <a:cs typeface="Times New Roman" panose="02020603050405020304"/>
                 <a:sym typeface="Times New Roman" panose="02020603050405020304"/>
@@ -6334,7 +6334,7 @@
               <a:solidFill>
                 <a:srgbClr val="000000"/>
               </a:solidFill>
-              <a:latin typeface="Calibri"/>
+              <a:latin typeface="Calibri" panose="020F0502020204030204"/>
               <a:ea typeface="宋体" panose="02010600030101010101" pitchFamily="2" charset="-122"/>
               <a:cs typeface="Times New Roman" panose="02020603050405020304"/>
               <a:sym typeface="Times New Roman" panose="02020603050405020304"/>
@@ -6347,7 +6347,7 @@
                 <a:solidFill>
                   <a:srgbClr val="000000"/>
                 </a:solidFill>
-                <a:latin typeface="Calibri"/>
+                <a:latin typeface="Calibri" panose="020F0502020204030204"/>
                 <a:ea typeface="宋体" panose="02010600030101010101" pitchFamily="2" charset="-122"/>
                 <a:cs typeface="Times New Roman" panose="02020603050405020304"/>
                 <a:sym typeface="Times New Roman" panose="02020603050405020304"/>
@@ -6359,7 +6359,7 @@
                 <a:solidFill>
                   <a:srgbClr val="000000"/>
                 </a:solidFill>
-                <a:latin typeface="Calibri"/>
+                <a:latin typeface="Calibri" panose="020F0502020204030204"/>
                 <a:ea typeface="宋体" panose="02010600030101010101" pitchFamily="2" charset="-122"/>
                 <a:cs typeface="Times New Roman" panose="02020603050405020304"/>
                 <a:sym typeface="Times New Roman" panose="02020603050405020304"/>
@@ -6371,7 +6371,7 @@
                 <a:solidFill>
                   <a:srgbClr val="000000"/>
                 </a:solidFill>
-                <a:latin typeface="Calibri"/>
+                <a:latin typeface="Calibri" panose="020F0502020204030204"/>
                 <a:ea typeface="宋体" panose="02010600030101010101" pitchFamily="2" charset="-122"/>
                 <a:cs typeface="Times New Roman" panose="02020603050405020304"/>
                 <a:sym typeface="Times New Roman" panose="02020603050405020304"/>
@@ -6383,7 +6383,7 @@
                 <a:solidFill>
                   <a:srgbClr val="000000"/>
                 </a:solidFill>
-                <a:latin typeface="Calibri"/>
+                <a:latin typeface="Calibri" panose="020F0502020204030204"/>
                 <a:ea typeface="宋体" panose="02010600030101010101" pitchFamily="2" charset="-122"/>
                 <a:cs typeface="Times New Roman" panose="02020603050405020304"/>
                 <a:sym typeface="Times New Roman" panose="02020603050405020304"/>
@@ -6394,7 +6394,7 @@
               <a:solidFill>
                 <a:srgbClr val="000000"/>
               </a:solidFill>
-              <a:latin typeface="Calibri"/>
+              <a:latin typeface="Calibri" panose="020F0502020204030204"/>
               <a:ea typeface="宋体" panose="02010600030101010101" pitchFamily="2" charset="-122"/>
               <a:cs typeface="Times New Roman" panose="02020603050405020304"/>
               <a:sym typeface="Times New Roman" panose="02020603050405020304"/>
@@ -6407,7 +6407,7 @@
                 <a:solidFill>
                   <a:srgbClr val="000000"/>
                 </a:solidFill>
-                <a:latin typeface="Calibri"/>
+                <a:latin typeface="Calibri" panose="020F0502020204030204"/>
                 <a:ea typeface="宋体" panose="02010600030101010101" pitchFamily="2" charset="-122"/>
                 <a:cs typeface="Times New Roman" panose="02020603050405020304"/>
                 <a:sym typeface="Times New Roman" panose="02020603050405020304"/>
@@ -6418,7 +6418,7 @@
               <a:solidFill>
                 <a:srgbClr val="000000"/>
               </a:solidFill>
-              <a:latin typeface="Calibri"/>
+              <a:latin typeface="Calibri" panose="020F0502020204030204"/>
               <a:ea typeface="宋体" panose="02010600030101010101" pitchFamily="2" charset="-122"/>
               <a:cs typeface="Times New Roman" panose="02020603050405020304"/>
               <a:sym typeface="Times New Roman" panose="02020603050405020304"/>
@@ -6431,7 +6431,7 @@
                 <a:solidFill>
                   <a:srgbClr val="000000"/>
                 </a:solidFill>
-                <a:latin typeface="Calibri"/>
+                <a:latin typeface="Calibri" panose="020F0502020204030204"/>
                 <a:ea typeface="宋体" panose="02010600030101010101" pitchFamily="2" charset="-122"/>
                 <a:cs typeface="Times New Roman" panose="02020603050405020304"/>
                 <a:sym typeface="Times New Roman" panose="02020603050405020304"/>
@@ -6442,7 +6442,7 @@
               <a:solidFill>
                 <a:srgbClr val="000000"/>
               </a:solidFill>
-              <a:latin typeface="Calibri"/>
+              <a:latin typeface="Calibri" panose="020F0502020204030204"/>
               <a:ea typeface="宋体" panose="02010600030101010101" pitchFamily="2" charset="-122"/>
               <a:cs typeface="Times New Roman" panose="02020603050405020304"/>
               <a:sym typeface="Times New Roman" panose="02020603050405020304"/>
@@ -6494,7 +6494,7 @@
                 <a:solidFill>
                   <a:srgbClr val="000000"/>
                 </a:solidFill>
-                <a:latin typeface="Calibri"/>
+                <a:latin typeface="Calibri" panose="020F0502020204030204"/>
                 <a:ea typeface="宋体" panose="02010600030101010101" pitchFamily="2" charset="-122"/>
                 <a:cs typeface="Times New Roman" panose="02020603050405020304"/>
                 <a:sym typeface="Times New Roman" panose="02020603050405020304"/>
@@ -6505,7 +6505,7 @@
               <a:solidFill>
                 <a:srgbClr val="000000"/>
               </a:solidFill>
-              <a:latin typeface="Calibri"/>
+              <a:latin typeface="Calibri" panose="020F0502020204030204"/>
               <a:ea typeface="宋体" panose="02010600030101010101" pitchFamily="2" charset="-122"/>
               <a:cs typeface="Times New Roman" panose="02020603050405020304"/>
               <a:sym typeface="Times New Roman" panose="02020603050405020304"/>
@@ -6518,7 +6518,7 @@
                 <a:solidFill>
                   <a:srgbClr val="000000"/>
                 </a:solidFill>
-                <a:latin typeface="Calibri"/>
+                <a:latin typeface="Calibri" panose="020F0502020204030204"/>
                 <a:ea typeface="宋体" panose="02010600030101010101" pitchFamily="2" charset="-122"/>
                 <a:cs typeface="Times New Roman" panose="02020603050405020304"/>
                 <a:sym typeface="Times New Roman" panose="02020603050405020304"/>
@@ -6530,7 +6530,7 @@
                 <a:solidFill>
                   <a:srgbClr val="000000"/>
                 </a:solidFill>
-                <a:latin typeface="Calibri"/>
+                <a:latin typeface="Calibri" panose="020F0502020204030204"/>
                 <a:ea typeface="宋体" panose="02010600030101010101" pitchFamily="2" charset="-122"/>
                 <a:cs typeface="Times New Roman" panose="02020603050405020304"/>
                 <a:sym typeface="Times New Roman" panose="02020603050405020304"/>
@@ -6541,7 +6541,7 @@
               <a:solidFill>
                 <a:srgbClr val="000000"/>
               </a:solidFill>
-              <a:latin typeface="Calibri"/>
+              <a:latin typeface="Calibri" panose="020F0502020204030204"/>
               <a:ea typeface="宋体" panose="02010600030101010101" pitchFamily="2" charset="-122"/>
               <a:cs typeface="Times New Roman" panose="02020603050405020304"/>
               <a:sym typeface="Times New Roman" panose="02020603050405020304"/>
@@ -6623,7 +6623,7 @@
                 <a:solidFill>
                   <a:srgbClr val="000000"/>
                 </a:solidFill>
-                <a:latin typeface="Calibri"/>
+                <a:latin typeface="Calibri" panose="020F0502020204030204"/>
                 <a:ea typeface="宋体" panose="02010600030101010101" pitchFamily="2" charset="-122"/>
                 <a:cs typeface="Times New Roman" panose="02020603050405020304"/>
                 <a:sym typeface="Times New Roman" panose="02020603050405020304"/>
@@ -6635,7 +6635,7 @@
                 <a:solidFill>
                   <a:srgbClr val="000000"/>
                 </a:solidFill>
-                <a:latin typeface="Calibri"/>
+                <a:latin typeface="Calibri" panose="020F0502020204030204"/>
                 <a:ea typeface="宋体" panose="02010600030101010101" pitchFamily="2" charset="-122"/>
                 <a:cs typeface="Times New Roman" panose="02020603050405020304"/>
                 <a:sym typeface="Times New Roman" panose="02020603050405020304"/>
@@ -6646,7 +6646,7 @@
               <a:solidFill>
                 <a:srgbClr val="000000"/>
               </a:solidFill>
-              <a:latin typeface="Calibri"/>
+              <a:latin typeface="Calibri" panose="020F0502020204030204"/>
               <a:ea typeface="宋体" panose="02010600030101010101" pitchFamily="2" charset="-122"/>
               <a:cs typeface="Times New Roman" panose="02020603050405020304"/>
               <a:sym typeface="Times New Roman" panose="02020603050405020304"/>
@@ -6659,7 +6659,7 @@
                 <a:solidFill>
                   <a:srgbClr val="000000"/>
                 </a:solidFill>
-                <a:latin typeface="Calibri"/>
+                <a:latin typeface="Calibri" panose="020F0502020204030204"/>
                 <a:ea typeface="宋体" panose="02010600030101010101" pitchFamily="2" charset="-122"/>
                 <a:cs typeface="Times New Roman" panose="02020603050405020304"/>
                 <a:sym typeface="Times New Roman" panose="02020603050405020304"/>
@@ -6671,7 +6671,7 @@
                 <a:solidFill>
                   <a:srgbClr val="000000"/>
                 </a:solidFill>
-                <a:latin typeface="Calibri"/>
+                <a:latin typeface="Calibri" panose="020F0502020204030204"/>
                 <a:ea typeface="宋体" panose="02010600030101010101" pitchFamily="2" charset="-122"/>
                 <a:cs typeface="Times New Roman" panose="02020603050405020304"/>
                 <a:sym typeface="Times New Roman" panose="02020603050405020304"/>
@@ -6682,7 +6682,7 @@
               <a:solidFill>
                 <a:srgbClr val="000000"/>
               </a:solidFill>
-              <a:latin typeface="Calibri"/>
+              <a:latin typeface="Calibri" panose="020F0502020204030204"/>
               <a:ea typeface="宋体" panose="02010600030101010101" pitchFamily="2" charset="-122"/>
               <a:cs typeface="Times New Roman" panose="02020603050405020304"/>
               <a:sym typeface="Times New Roman" panose="02020603050405020304"/>
@@ -6734,7 +6734,7 @@
                 <a:solidFill>
                   <a:srgbClr val="000000"/>
                 </a:solidFill>
-                <a:latin typeface="Calibri"/>
+                <a:latin typeface="Calibri" panose="020F0502020204030204"/>
                 <a:ea typeface="宋体" panose="02010600030101010101" pitchFamily="2" charset="-122"/>
                 <a:cs typeface="Times New Roman" panose="02020603050405020304"/>
                 <a:sym typeface="Times New Roman" panose="02020603050405020304"/>
@@ -6746,7 +6746,7 @@
                 <a:solidFill>
                   <a:srgbClr val="000000"/>
                 </a:solidFill>
-                <a:latin typeface="Calibri"/>
+                <a:latin typeface="Calibri" panose="020F0502020204030204"/>
                 <a:ea typeface="宋体" panose="02010600030101010101" pitchFamily="2" charset="-122"/>
                 <a:cs typeface="Times New Roman" panose="02020603050405020304"/>
                 <a:sym typeface="Times New Roman" panose="02020603050405020304"/>
@@ -6758,7 +6758,7 @@
                 <a:solidFill>
                   <a:srgbClr val="000000"/>
                 </a:solidFill>
-                <a:latin typeface="Calibri"/>
+                <a:latin typeface="Calibri" panose="020F0502020204030204"/>
                 <a:ea typeface="宋体" panose="02010600030101010101" pitchFamily="2" charset="-122"/>
                 <a:cs typeface="Times New Roman" panose="02020603050405020304"/>
                 <a:sym typeface="Times New Roman" panose="02020603050405020304"/>
@@ -6769,7 +6769,7 @@
               <a:solidFill>
                 <a:srgbClr val="000000"/>
               </a:solidFill>
-              <a:latin typeface="Calibri"/>
+              <a:latin typeface="Calibri" panose="020F0502020204030204"/>
               <a:ea typeface="宋体" panose="02010600030101010101" pitchFamily="2" charset="-122"/>
               <a:cs typeface="Times New Roman" panose="02020603050405020304"/>
               <a:sym typeface="Times New Roman" panose="02020603050405020304"/>
@@ -6782,7 +6782,7 @@
                 <a:solidFill>
                   <a:srgbClr val="000000"/>
                 </a:solidFill>
-                <a:latin typeface="Calibri"/>
+                <a:latin typeface="Calibri" panose="020F0502020204030204"/>
                 <a:ea typeface="宋体" panose="02010600030101010101" pitchFamily="2" charset="-122"/>
                 <a:cs typeface="Times New Roman" panose="02020603050405020304"/>
                 <a:sym typeface="Times New Roman" panose="02020603050405020304"/>
@@ -6794,7 +6794,7 @@
                 <a:solidFill>
                   <a:srgbClr val="000000"/>
                 </a:solidFill>
-                <a:latin typeface="Calibri"/>
+                <a:latin typeface="Calibri" panose="020F0502020204030204"/>
                 <a:ea typeface="宋体" panose="02010600030101010101" pitchFamily="2" charset="-122"/>
                 <a:cs typeface="Times New Roman" panose="02020603050405020304"/>
                 <a:sym typeface="Times New Roman" panose="02020603050405020304"/>
@@ -6805,7 +6805,7 @@
               <a:solidFill>
                 <a:srgbClr val="000000"/>
               </a:solidFill>
-              <a:latin typeface="Calibri"/>
+              <a:latin typeface="Calibri" panose="020F0502020204030204"/>
               <a:ea typeface="宋体" panose="02010600030101010101" pitchFamily="2" charset="-122"/>
               <a:cs typeface="Times New Roman" panose="02020603050405020304"/>
               <a:sym typeface="Times New Roman" panose="02020603050405020304"/>
@@ -6818,7 +6818,7 @@
                 <a:solidFill>
                   <a:srgbClr val="000000"/>
                 </a:solidFill>
-                <a:latin typeface="Calibri"/>
+                <a:latin typeface="Calibri" panose="020F0502020204030204"/>
                 <a:ea typeface="宋体" panose="02010600030101010101" pitchFamily="2" charset="-122"/>
                 <a:cs typeface="Times New Roman" panose="02020603050405020304"/>
                 <a:sym typeface="Times New Roman" panose="02020603050405020304"/>
@@ -6829,7 +6829,7 @@
               <a:solidFill>
                 <a:srgbClr val="000000"/>
               </a:solidFill>
-              <a:latin typeface="Calibri"/>
+              <a:latin typeface="Calibri" panose="020F0502020204030204"/>
               <a:ea typeface="宋体" panose="02010600030101010101" pitchFamily="2" charset="-122"/>
               <a:cs typeface="Times New Roman" panose="02020603050405020304"/>
               <a:sym typeface="Times New Roman" panose="02020603050405020304"/>
@@ -6881,7 +6881,7 @@
                 <a:solidFill>
                   <a:srgbClr val="000000"/>
                 </a:solidFill>
-                <a:latin typeface="Calibri"/>
+                <a:latin typeface="Calibri" panose="020F0502020204030204"/>
                 <a:ea typeface="宋体" panose="02010600030101010101" pitchFamily="2" charset="-122"/>
                 <a:cs typeface="Times New Roman" panose="02020603050405020304"/>
                 <a:sym typeface="Times New Roman" panose="02020603050405020304"/>
@@ -6892,7 +6892,7 @@
               <a:solidFill>
                 <a:srgbClr val="000000"/>
               </a:solidFill>
-              <a:latin typeface="Calibri"/>
+              <a:latin typeface="Calibri" panose="020F0502020204030204"/>
               <a:ea typeface="宋体" panose="02010600030101010101" pitchFamily="2" charset="-122"/>
               <a:cs typeface="Times New Roman" panose="02020603050405020304"/>
               <a:sym typeface="Times New Roman" panose="02020603050405020304"/>
@@ -6905,7 +6905,7 @@
                 <a:solidFill>
                   <a:srgbClr val="000000"/>
                 </a:solidFill>
-                <a:latin typeface="Calibri"/>
+                <a:latin typeface="Calibri" panose="020F0502020204030204"/>
                 <a:ea typeface="宋体" panose="02010600030101010101" pitchFamily="2" charset="-122"/>
                 <a:cs typeface="Times New Roman" panose="02020603050405020304"/>
                 <a:sym typeface="Times New Roman" panose="02020603050405020304"/>
@@ -6916,7 +6916,7 @@
               <a:solidFill>
                 <a:srgbClr val="000000"/>
               </a:solidFill>
-              <a:latin typeface="Calibri"/>
+              <a:latin typeface="Calibri" panose="020F0502020204030204"/>
               <a:ea typeface="宋体" panose="02010600030101010101" pitchFamily="2" charset="-122"/>
               <a:cs typeface="Times New Roman" panose="02020603050405020304"/>
               <a:sym typeface="Times New Roman" panose="02020603050405020304"/>
@@ -6997,7 +6997,7 @@
                 <a:solidFill>
                   <a:srgbClr val="000000"/>
                 </a:solidFill>
-                <a:latin typeface="Calibri"/>
+                <a:latin typeface="Calibri" panose="020F0502020204030204"/>
                 <a:ea typeface="宋体" panose="02010600030101010101" pitchFamily="2" charset="-122"/>
                 <a:cs typeface="Times New Roman" panose="02020603050405020304"/>
                 <a:sym typeface="Times New Roman" panose="02020603050405020304"/>
@@ -7008,7 +7008,7 @@
               <a:solidFill>
                 <a:srgbClr val="000000"/>
               </a:solidFill>
-              <a:latin typeface="Calibri"/>
+              <a:latin typeface="Calibri" panose="020F0502020204030204"/>
               <a:ea typeface="宋体" panose="02010600030101010101" pitchFamily="2" charset="-122"/>
               <a:cs typeface="Times New Roman" panose="02020603050405020304"/>
               <a:sym typeface="Times New Roman" panose="02020603050405020304"/>
@@ -7060,7 +7060,7 @@
                 <a:solidFill>
                   <a:srgbClr val="000000"/>
                 </a:solidFill>
-                <a:latin typeface="Calibri"/>
+                <a:latin typeface="Calibri" panose="020F0502020204030204"/>
                 <a:ea typeface="宋体" panose="02010600030101010101" pitchFamily="2" charset="-122"/>
                 <a:cs typeface="Times New Roman" panose="02020603050405020304"/>
                 <a:sym typeface="Times New Roman" panose="02020603050405020304"/>
@@ -7071,7 +7071,7 @@
               <a:solidFill>
                 <a:srgbClr val="000000"/>
               </a:solidFill>
-              <a:latin typeface="Calibri"/>
+              <a:latin typeface="Calibri" panose="020F0502020204030204"/>
               <a:ea typeface="宋体" panose="02010600030101010101" pitchFamily="2" charset="-122"/>
               <a:cs typeface="Times New Roman" panose="02020603050405020304"/>
               <a:sym typeface="Times New Roman" panose="02020603050405020304"/>
@@ -7084,7 +7084,7 @@
                 <a:solidFill>
                   <a:srgbClr val="000000"/>
                 </a:solidFill>
-                <a:latin typeface="Calibri"/>
+                <a:latin typeface="Calibri" panose="020F0502020204030204"/>
                 <a:ea typeface="宋体" panose="02010600030101010101" pitchFamily="2" charset="-122"/>
                 <a:cs typeface="Times New Roman" panose="02020603050405020304"/>
                 <a:sym typeface="Times New Roman" panose="02020603050405020304"/>
@@ -7096,7 +7096,7 @@
                 <a:solidFill>
                   <a:srgbClr val="000000"/>
                 </a:solidFill>
-                <a:latin typeface="Calibri"/>
+                <a:latin typeface="Calibri" panose="020F0502020204030204"/>
                 <a:ea typeface="宋体" panose="02010600030101010101" pitchFamily="2" charset="-122"/>
                 <a:cs typeface="Times New Roman" panose="02020603050405020304"/>
                 <a:sym typeface="Times New Roman" panose="02020603050405020304"/>
@@ -7108,7 +7108,7 @@
                 <a:solidFill>
                   <a:srgbClr val="000000"/>
                 </a:solidFill>
-                <a:latin typeface="Calibri"/>
+                <a:latin typeface="Calibri" panose="020F0502020204030204"/>
                 <a:ea typeface="宋体" panose="02010600030101010101" pitchFamily="2" charset="-122"/>
                 <a:cs typeface="Times New Roman" panose="02020603050405020304"/>
                 <a:sym typeface="Times New Roman" panose="02020603050405020304"/>
@@ -7120,7 +7120,7 @@
                 <a:solidFill>
                   <a:srgbClr val="000000"/>
                 </a:solidFill>
-                <a:latin typeface="Calibri"/>
+                <a:latin typeface="Calibri" panose="020F0502020204030204"/>
                 <a:ea typeface="宋体" panose="02010600030101010101" pitchFamily="2" charset="-122"/>
                 <a:cs typeface="Times New Roman" panose="02020603050405020304"/>
                 <a:sym typeface="Times New Roman" panose="02020603050405020304"/>
@@ -7131,7 +7131,7 @@
               <a:solidFill>
                 <a:srgbClr val="000000"/>
               </a:solidFill>
-              <a:latin typeface="Calibri"/>
+              <a:latin typeface="Calibri" panose="020F0502020204030204"/>
               <a:ea typeface="宋体" panose="02010600030101010101" pitchFamily="2" charset="-122"/>
               <a:cs typeface="Times New Roman" panose="02020603050405020304"/>
               <a:sym typeface="Times New Roman" panose="02020603050405020304"/>
@@ -7183,7 +7183,7 @@
                 <a:solidFill>
                   <a:srgbClr val="000000"/>
                 </a:solidFill>
-                <a:latin typeface="Calibri"/>
+                <a:latin typeface="Calibri" panose="020F0502020204030204"/>
                 <a:ea typeface="宋体" panose="02010600030101010101" pitchFamily="2" charset="-122"/>
                 <a:cs typeface="Times New Roman" panose="02020603050405020304"/>
                 <a:sym typeface="Times New Roman" panose="02020603050405020304"/>
@@ -7194,7 +7194,7 @@
               <a:solidFill>
                 <a:srgbClr val="000000"/>
               </a:solidFill>
-              <a:latin typeface="Calibri"/>
+              <a:latin typeface="Calibri" panose="020F0502020204030204"/>
               <a:ea typeface="宋体" panose="02010600030101010101" pitchFamily="2" charset="-122"/>
               <a:cs typeface="Times New Roman" panose="02020603050405020304"/>
               <a:sym typeface="Times New Roman" panose="02020603050405020304"/>
@@ -7207,7 +7207,7 @@
                 <a:solidFill>
                   <a:srgbClr val="000000"/>
                 </a:solidFill>
-                <a:latin typeface="Calibri"/>
+                <a:latin typeface="Calibri" panose="020F0502020204030204"/>
                 <a:ea typeface="宋体" panose="02010600030101010101" pitchFamily="2" charset="-122"/>
                 <a:cs typeface="Times New Roman" panose="02020603050405020304"/>
                 <a:sym typeface="Times New Roman" panose="02020603050405020304"/>
@@ -7219,7 +7219,7 @@
                 <a:solidFill>
                   <a:srgbClr val="000000"/>
                 </a:solidFill>
-                <a:latin typeface="Calibri"/>
+                <a:latin typeface="Calibri" panose="020F0502020204030204"/>
                 <a:ea typeface="宋体" panose="02010600030101010101" pitchFamily="2" charset="-122"/>
                 <a:cs typeface="Times New Roman" panose="02020603050405020304"/>
                 <a:sym typeface="Times New Roman" panose="02020603050405020304"/>
@@ -7231,7 +7231,7 @@
                 <a:solidFill>
                   <a:srgbClr val="000000"/>
                 </a:solidFill>
-                <a:latin typeface="Calibri"/>
+                <a:latin typeface="Calibri" panose="020F0502020204030204"/>
                 <a:ea typeface="宋体" panose="02010600030101010101" pitchFamily="2" charset="-122"/>
                 <a:cs typeface="Times New Roman" panose="02020603050405020304"/>
                 <a:sym typeface="Times New Roman" panose="02020603050405020304"/>
@@ -7243,7 +7243,7 @@
                 <a:solidFill>
                   <a:srgbClr val="000000"/>
                 </a:solidFill>
-                <a:latin typeface="Calibri"/>
+                <a:latin typeface="Calibri" panose="020F0502020204030204"/>
                 <a:ea typeface="宋体" panose="02010600030101010101" pitchFamily="2" charset="-122"/>
                 <a:cs typeface="Times New Roman" panose="02020603050405020304"/>
                 <a:sym typeface="Times New Roman" panose="02020603050405020304"/>
@@ -7255,7 +7255,7 @@
                 <a:solidFill>
                   <a:srgbClr val="000000"/>
                 </a:solidFill>
-                <a:latin typeface="Calibri"/>
+                <a:latin typeface="Calibri" panose="020F0502020204030204"/>
                 <a:ea typeface="宋体" panose="02010600030101010101" pitchFamily="2" charset="-122"/>
                 <a:cs typeface="Times New Roman" panose="02020603050405020304"/>
                 <a:sym typeface="Times New Roman" panose="02020603050405020304"/>
@@ -7266,7 +7266,7 @@
               <a:solidFill>
                 <a:srgbClr val="000000"/>
               </a:solidFill>
-              <a:latin typeface="Calibri"/>
+              <a:latin typeface="Calibri" panose="020F0502020204030204"/>
               <a:ea typeface="宋体" panose="02010600030101010101" pitchFamily="2" charset="-122"/>
               <a:cs typeface="Times New Roman" panose="02020603050405020304"/>
               <a:sym typeface="Times New Roman" panose="02020603050405020304"/>
@@ -7279,7 +7279,7 @@
                 <a:solidFill>
                   <a:srgbClr val="000000"/>
                 </a:solidFill>
-                <a:latin typeface="Calibri"/>
+                <a:latin typeface="Calibri" panose="020F0502020204030204"/>
                 <a:ea typeface="宋体" panose="02010600030101010101" pitchFamily="2" charset="-122"/>
                 <a:cs typeface="Times New Roman" panose="02020603050405020304"/>
                 <a:sym typeface="Times New Roman" panose="02020603050405020304"/>
@@ -7291,7 +7291,7 @@
                 <a:solidFill>
                   <a:srgbClr val="000000"/>
                 </a:solidFill>
-                <a:latin typeface="Calibri"/>
+                <a:latin typeface="Calibri" panose="020F0502020204030204"/>
                 <a:ea typeface="宋体" panose="02010600030101010101" pitchFamily="2" charset="-122"/>
                 <a:cs typeface="Times New Roman" panose="02020603050405020304"/>
                 <a:sym typeface="Times New Roman" panose="02020603050405020304"/>
@@ -7303,7 +7303,7 @@
                 <a:solidFill>
                   <a:srgbClr val="000000"/>
                 </a:solidFill>
-                <a:latin typeface="Calibri"/>
+                <a:latin typeface="Calibri" panose="020F0502020204030204"/>
                 <a:ea typeface="宋体" panose="02010600030101010101" pitchFamily="2" charset="-122"/>
                 <a:cs typeface="Times New Roman" panose="02020603050405020304"/>
                 <a:sym typeface="Times New Roman" panose="02020603050405020304"/>
@@ -7315,7 +7315,7 @@
                 <a:solidFill>
                   <a:srgbClr val="000000"/>
                 </a:solidFill>
-                <a:latin typeface="Calibri"/>
+                <a:latin typeface="Calibri" panose="020F0502020204030204"/>
                 <a:ea typeface="宋体" panose="02010600030101010101" pitchFamily="2" charset="-122"/>
                 <a:cs typeface="Times New Roman" panose="02020603050405020304"/>
                 <a:sym typeface="Times New Roman" panose="02020603050405020304"/>
@@ -7327,7 +7327,7 @@
                 <a:solidFill>
                   <a:srgbClr val="000000"/>
                 </a:solidFill>
-                <a:latin typeface="Calibri"/>
+                <a:latin typeface="Calibri" panose="020F0502020204030204"/>
                 <a:ea typeface="宋体" panose="02010600030101010101" pitchFamily="2" charset="-122"/>
                 <a:cs typeface="Times New Roman" panose="02020603050405020304"/>
                 <a:sym typeface="Times New Roman" panose="02020603050405020304"/>
@@ -7339,7 +7339,7 @@
                 <a:solidFill>
                   <a:srgbClr val="000000"/>
                 </a:solidFill>
-                <a:latin typeface="Calibri"/>
+                <a:latin typeface="Calibri" panose="020F0502020204030204"/>
                 <a:ea typeface="宋体" panose="02010600030101010101" pitchFamily="2" charset="-122"/>
                 <a:cs typeface="Times New Roman" panose="02020603050405020304"/>
                 <a:sym typeface="Times New Roman" panose="02020603050405020304"/>
@@ -7351,7 +7351,7 @@
                 <a:solidFill>
                   <a:srgbClr val="000000"/>
                 </a:solidFill>
-                <a:latin typeface="Calibri"/>
+                <a:latin typeface="Calibri" panose="020F0502020204030204"/>
                 <a:ea typeface="宋体" panose="02010600030101010101" pitchFamily="2" charset="-122"/>
                 <a:cs typeface="Times New Roman" panose="02020603050405020304"/>
                 <a:sym typeface="Times New Roman" panose="02020603050405020304"/>
@@ -7362,7 +7362,7 @@
               <a:solidFill>
                 <a:srgbClr val="000000"/>
               </a:solidFill>
-              <a:latin typeface="Calibri"/>
+              <a:latin typeface="Calibri" panose="020F0502020204030204"/>
               <a:ea typeface="宋体" panose="02010600030101010101" pitchFamily="2" charset="-122"/>
               <a:cs typeface="Times New Roman" panose="02020603050405020304"/>
               <a:sym typeface="Times New Roman" panose="02020603050405020304"/>
@@ -7375,7 +7375,7 @@
                 <a:solidFill>
                   <a:srgbClr val="000000"/>
                 </a:solidFill>
-                <a:latin typeface="Calibri"/>
+                <a:latin typeface="Calibri" panose="020F0502020204030204"/>
                 <a:ea typeface="宋体" panose="02010600030101010101" pitchFamily="2" charset="-122"/>
                 <a:cs typeface="Times New Roman" panose="02020603050405020304"/>
                 <a:sym typeface="Times New Roman" panose="02020603050405020304"/>
@@ -7386,7 +7386,7 @@
               <a:solidFill>
                 <a:srgbClr val="000000"/>
               </a:solidFill>
-              <a:latin typeface="Calibri"/>
+              <a:latin typeface="Calibri" panose="020F0502020204030204"/>
               <a:ea typeface="宋体" panose="02010600030101010101" pitchFamily="2" charset="-122"/>
               <a:cs typeface="Times New Roman" panose="02020603050405020304"/>
               <a:sym typeface="Times New Roman" panose="02020603050405020304"/>
@@ -7438,7 +7438,7 @@
                 <a:solidFill>
                   <a:srgbClr val="000000"/>
                 </a:solidFill>
-                <a:latin typeface="Calibri"/>
+                <a:latin typeface="Calibri" panose="020F0502020204030204"/>
                 <a:ea typeface="宋体" panose="02010600030101010101" pitchFamily="2" charset="-122"/>
                 <a:cs typeface="Times New Roman" panose="02020603050405020304"/>
                 <a:sym typeface="Times New Roman" panose="02020603050405020304"/>
@@ -7450,7 +7450,7 @@
                 <a:solidFill>
                   <a:srgbClr val="000000"/>
                 </a:solidFill>
-                <a:latin typeface="Calibri"/>
+                <a:latin typeface="Calibri" panose="020F0502020204030204"/>
                 <a:ea typeface="宋体" panose="02010600030101010101" pitchFamily="2" charset="-122"/>
                 <a:cs typeface="Times New Roman" panose="02020603050405020304"/>
                 <a:sym typeface="Times New Roman" panose="02020603050405020304"/>
@@ -7461,7 +7461,7 @@
               <a:solidFill>
                 <a:srgbClr val="000000"/>
               </a:solidFill>
-              <a:latin typeface="Calibri"/>
+              <a:latin typeface="Calibri" panose="020F0502020204030204"/>
               <a:ea typeface="宋体" panose="02010600030101010101" pitchFamily="2" charset="-122"/>
               <a:cs typeface="Times New Roman" panose="02020603050405020304"/>
               <a:sym typeface="Times New Roman" panose="02020603050405020304"/>
@@ -7474,7 +7474,7 @@
                 <a:solidFill>
                   <a:srgbClr val="000000"/>
                 </a:solidFill>
-                <a:latin typeface="Calibri"/>
+                <a:latin typeface="Calibri" panose="020F0502020204030204"/>
                 <a:ea typeface="宋体" panose="02010600030101010101" pitchFamily="2" charset="-122"/>
                 <a:cs typeface="Times New Roman" panose="02020603050405020304"/>
                 <a:sym typeface="Times New Roman" panose="02020603050405020304"/>
@@ -7485,7 +7485,7 @@
               <a:solidFill>
                 <a:srgbClr val="000000"/>
               </a:solidFill>
-              <a:latin typeface="Calibri"/>
+              <a:latin typeface="Calibri" panose="020F0502020204030204"/>
               <a:ea typeface="宋体" panose="02010600030101010101" pitchFamily="2" charset="-122"/>
               <a:cs typeface="Times New Roman" panose="02020603050405020304"/>
               <a:sym typeface="Times New Roman" panose="02020603050405020304"/>
@@ -7537,7 +7537,7 @@
                 <a:solidFill>
                   <a:srgbClr val="000000"/>
                 </a:solidFill>
-                <a:latin typeface="Calibri"/>
+                <a:latin typeface="Calibri" panose="020F0502020204030204"/>
                 <a:ea typeface="宋体" panose="02010600030101010101" pitchFamily="2" charset="-122"/>
                 <a:cs typeface="Times New Roman" panose="02020603050405020304"/>
                 <a:sym typeface="Times New Roman" panose="02020603050405020304"/>
@@ -7548,7 +7548,7 @@
               <a:solidFill>
                 <a:srgbClr val="000000"/>
               </a:solidFill>
-              <a:latin typeface="Calibri"/>
+              <a:latin typeface="Calibri" panose="020F0502020204030204"/>
               <a:ea typeface="宋体" panose="02010600030101010101" pitchFamily="2" charset="-122"/>
               <a:cs typeface="Times New Roman" panose="02020603050405020304"/>
               <a:sym typeface="Times New Roman" panose="02020603050405020304"/>
@@ -7561,7 +7561,7 @@
                 <a:solidFill>
                   <a:srgbClr val="000000"/>
                 </a:solidFill>
-                <a:latin typeface="Calibri"/>
+                <a:latin typeface="Calibri" panose="020F0502020204030204"/>
                 <a:ea typeface="宋体" panose="02010600030101010101" pitchFamily="2" charset="-122"/>
                 <a:cs typeface="Times New Roman" panose="02020603050405020304"/>
                 <a:sym typeface="Times New Roman" panose="02020603050405020304"/>
@@ -7573,7 +7573,7 @@
                 <a:solidFill>
                   <a:srgbClr val="000000"/>
                 </a:solidFill>
-                <a:latin typeface="Calibri"/>
+                <a:latin typeface="Calibri" panose="020F0502020204030204"/>
                 <a:ea typeface="宋体" panose="02010600030101010101" pitchFamily="2" charset="-122"/>
                 <a:cs typeface="Times New Roman" panose="02020603050405020304"/>
                 <a:sym typeface="Times New Roman" panose="02020603050405020304"/>
@@ -7584,7 +7584,7 @@
               <a:solidFill>
                 <a:srgbClr val="000000"/>
               </a:solidFill>
-              <a:latin typeface="Calibri"/>
+              <a:latin typeface="Calibri" panose="020F0502020204030204"/>
               <a:ea typeface="宋体" panose="02010600030101010101" pitchFamily="2" charset="-122"/>
               <a:cs typeface="Times New Roman" panose="02020603050405020304"/>
               <a:sym typeface="Times New Roman" panose="02020603050405020304"/>
@@ -7636,7 +7636,7 @@
                 <a:solidFill>
                   <a:srgbClr val="000000"/>
                 </a:solidFill>
-                <a:latin typeface="Calibri"/>
+                <a:latin typeface="Calibri" panose="020F0502020204030204"/>
                 <a:ea typeface="宋体" panose="02010600030101010101" pitchFamily="2" charset="-122"/>
                 <a:cs typeface="Times New Roman" panose="02020603050405020304"/>
                 <a:sym typeface="Times New Roman" panose="02020603050405020304"/>
@@ -7647,7 +7647,7 @@
               <a:solidFill>
                 <a:srgbClr val="000000"/>
               </a:solidFill>
-              <a:latin typeface="Calibri"/>
+              <a:latin typeface="Calibri" panose="020F0502020204030204"/>
               <a:ea typeface="宋体" panose="02010600030101010101" pitchFamily="2" charset="-122"/>
               <a:cs typeface="Times New Roman" panose="02020603050405020304"/>
               <a:sym typeface="Times New Roman" panose="02020603050405020304"/>
@@ -7660,7 +7660,7 @@
                 <a:solidFill>
                   <a:srgbClr val="000000"/>
                 </a:solidFill>
-                <a:latin typeface="Calibri"/>
+                <a:latin typeface="Calibri" panose="020F0502020204030204"/>
                 <a:ea typeface="宋体" panose="02010600030101010101" pitchFamily="2" charset="-122"/>
                 <a:cs typeface="Times New Roman" panose="02020603050405020304"/>
                 <a:sym typeface="Times New Roman" panose="02020603050405020304"/>
@@ -7671,7 +7671,7 @@
               <a:solidFill>
                 <a:srgbClr val="000000"/>
               </a:solidFill>
-              <a:latin typeface="Calibri"/>
+              <a:latin typeface="Calibri" panose="020F0502020204030204"/>
               <a:ea typeface="宋体" panose="02010600030101010101" pitchFamily="2" charset="-122"/>
               <a:cs typeface="Times New Roman" panose="02020603050405020304"/>
               <a:sym typeface="Times New Roman" panose="02020603050405020304"/>
@@ -7752,7 +7752,7 @@
                 <a:solidFill>
                   <a:srgbClr val="000000"/>
                 </a:solidFill>
-                <a:latin typeface="Calibri"/>
+                <a:latin typeface="Calibri" panose="020F0502020204030204"/>
                 <a:ea typeface="宋体" panose="02010600030101010101" pitchFamily="2" charset="-122"/>
                 <a:cs typeface="Times New Roman" panose="02020603050405020304"/>
                 <a:sym typeface="Times New Roman" panose="02020603050405020304"/>
@@ -7763,7 +7763,7 @@
               <a:solidFill>
                 <a:srgbClr val="000000"/>
               </a:solidFill>
-              <a:latin typeface="Calibri"/>
+              <a:latin typeface="Calibri" panose="020F0502020204030204"/>
               <a:ea typeface="宋体" panose="02010600030101010101" pitchFamily="2" charset="-122"/>
               <a:cs typeface="Times New Roman" panose="02020603050405020304"/>
               <a:sym typeface="Times New Roman" panose="02020603050405020304"/>
@@ -7815,7 +7815,7 @@
                 <a:solidFill>
                   <a:srgbClr val="000000"/>
                 </a:solidFill>
-                <a:latin typeface="Calibri"/>
+                <a:latin typeface="Calibri" panose="020F0502020204030204"/>
                 <a:ea typeface="宋体" panose="02010600030101010101" pitchFamily="2" charset="-122"/>
                 <a:cs typeface="Times New Roman" panose="02020603050405020304"/>
                 <a:sym typeface="Times New Roman" panose="02020603050405020304"/>
@@ -7827,7 +7827,7 @@
                 <a:solidFill>
                   <a:srgbClr val="000000"/>
                 </a:solidFill>
-                <a:latin typeface="Calibri"/>
+                <a:latin typeface="Calibri" panose="020F0502020204030204"/>
                 <a:ea typeface="宋体" panose="02010600030101010101" pitchFamily="2" charset="-122"/>
                 <a:cs typeface="Times New Roman" panose="02020603050405020304"/>
                 <a:sym typeface="Times New Roman" panose="02020603050405020304"/>
@@ -7838,7 +7838,7 @@
               <a:solidFill>
                 <a:srgbClr val="000000"/>
               </a:solidFill>
-              <a:latin typeface="Calibri"/>
+              <a:latin typeface="Calibri" panose="020F0502020204030204"/>
               <a:ea typeface="宋体" panose="02010600030101010101" pitchFamily="2" charset="-122"/>
               <a:cs typeface="Times New Roman" panose="02020603050405020304"/>
               <a:sym typeface="Times New Roman" panose="02020603050405020304"/>
@@ -7851,7 +7851,7 @@
                 <a:solidFill>
                   <a:srgbClr val="000000"/>
                 </a:solidFill>
-                <a:latin typeface="Calibri"/>
+                <a:latin typeface="Calibri" panose="020F0502020204030204"/>
                 <a:ea typeface="宋体" panose="02010600030101010101" pitchFamily="2" charset="-122"/>
                 <a:cs typeface="Times New Roman" panose="02020603050405020304"/>
                 <a:sym typeface="Times New Roman" panose="02020603050405020304"/>
@@ -7862,7 +7862,7 @@
               <a:solidFill>
                 <a:srgbClr val="000000"/>
               </a:solidFill>
-              <a:latin typeface="Calibri"/>
+              <a:latin typeface="Calibri" panose="020F0502020204030204"/>
               <a:ea typeface="宋体" panose="02010600030101010101" pitchFamily="2" charset="-122"/>
               <a:cs typeface="Times New Roman" panose="02020603050405020304"/>
               <a:sym typeface="Times New Roman" panose="02020603050405020304"/>
@@ -7875,7 +7875,7 @@
                 <a:solidFill>
                   <a:srgbClr val="000000"/>
                 </a:solidFill>
-                <a:latin typeface="Calibri"/>
+                <a:latin typeface="Calibri" panose="020F0502020204030204"/>
                 <a:ea typeface="宋体" panose="02010600030101010101" pitchFamily="2" charset="-122"/>
                 <a:cs typeface="Times New Roman" panose="02020603050405020304"/>
                 <a:sym typeface="Times New Roman" panose="02020603050405020304"/>
@@ -7887,7 +7887,7 @@
                 <a:solidFill>
                   <a:srgbClr val="000000"/>
                 </a:solidFill>
-                <a:latin typeface="Calibri"/>
+                <a:latin typeface="Calibri" panose="020F0502020204030204"/>
                 <a:ea typeface="宋体" panose="02010600030101010101" pitchFamily="2" charset="-122"/>
                 <a:cs typeface="Times New Roman" panose="02020603050405020304"/>
                 <a:sym typeface="Times New Roman" panose="02020603050405020304"/>
@@ -7899,7 +7899,7 @@
                 <a:solidFill>
                   <a:srgbClr val="000000"/>
                 </a:solidFill>
-                <a:latin typeface="Calibri"/>
+                <a:latin typeface="Calibri" panose="020F0502020204030204"/>
                 <a:ea typeface="宋体" panose="02010600030101010101" pitchFamily="2" charset="-122"/>
                 <a:cs typeface="Times New Roman" panose="02020603050405020304"/>
                 <a:sym typeface="Times New Roman" panose="02020603050405020304"/>
@@ -7911,7 +7911,7 @@
                 <a:solidFill>
                   <a:srgbClr val="000000"/>
                 </a:solidFill>
-                <a:latin typeface="Calibri"/>
+                <a:latin typeface="Calibri" panose="020F0502020204030204"/>
                 <a:ea typeface="宋体" panose="02010600030101010101" pitchFamily="2" charset="-122"/>
                 <a:cs typeface="Times New Roman" panose="02020603050405020304"/>
                 <a:sym typeface="Times New Roman" panose="02020603050405020304"/>
@@ -7923,7 +7923,7 @@
                 <a:solidFill>
                   <a:srgbClr val="000000"/>
                 </a:solidFill>
-                <a:latin typeface="Calibri"/>
+                <a:latin typeface="Calibri" panose="020F0502020204030204"/>
                 <a:ea typeface="宋体" panose="02010600030101010101" pitchFamily="2" charset="-122"/>
                 <a:cs typeface="Times New Roman" panose="02020603050405020304"/>
                 <a:sym typeface="Times New Roman" panose="02020603050405020304"/>
@@ -7935,7 +7935,7 @@
                 <a:solidFill>
                   <a:srgbClr val="000000"/>
                 </a:solidFill>
-                <a:latin typeface="Calibri"/>
+                <a:latin typeface="Calibri" panose="020F0502020204030204"/>
                 <a:ea typeface="宋体" panose="02010600030101010101" pitchFamily="2" charset="-122"/>
                 <a:cs typeface="Times New Roman" panose="02020603050405020304"/>
                 <a:sym typeface="Times New Roman" panose="02020603050405020304"/>
@@ -7947,7 +7947,7 @@
                 <a:solidFill>
                   <a:srgbClr val="000000"/>
                 </a:solidFill>
-                <a:latin typeface="Calibri"/>
+                <a:latin typeface="Calibri" panose="020F0502020204030204"/>
                 <a:ea typeface="宋体" panose="02010600030101010101" pitchFamily="2" charset="-122"/>
                 <a:cs typeface="Times New Roman" panose="02020603050405020304"/>
                 <a:sym typeface="Times New Roman" panose="02020603050405020304"/>
@@ -7959,7 +7959,7 @@
                 <a:solidFill>
                   <a:srgbClr val="000000"/>
                 </a:solidFill>
-                <a:latin typeface="Calibri"/>
+                <a:latin typeface="Calibri" panose="020F0502020204030204"/>
                 <a:ea typeface="宋体" panose="02010600030101010101" pitchFamily="2" charset="-122"/>
                 <a:cs typeface="Times New Roman" panose="02020603050405020304"/>
                 <a:sym typeface="Times New Roman" panose="02020603050405020304"/>
@@ -7971,7 +7971,7 @@
                 <a:solidFill>
                   <a:srgbClr val="000000"/>
                 </a:solidFill>
-                <a:latin typeface="Calibri"/>
+                <a:latin typeface="Calibri" panose="020F0502020204030204"/>
                 <a:ea typeface="宋体" panose="02010600030101010101" pitchFamily="2" charset="-122"/>
                 <a:cs typeface="Times New Roman" panose="02020603050405020304"/>
                 <a:sym typeface="Times New Roman" panose="02020603050405020304"/>
@@ -7982,7 +7982,7 @@
               <a:solidFill>
                 <a:srgbClr val="000000"/>
               </a:solidFill>
-              <a:latin typeface="Calibri"/>
+              <a:latin typeface="Calibri" panose="020F0502020204030204"/>
               <a:ea typeface="宋体" panose="02010600030101010101" pitchFamily="2" charset="-122"/>
               <a:cs typeface="Times New Roman" panose="02020603050405020304"/>
               <a:sym typeface="Times New Roman" panose="02020603050405020304"/>
@@ -7995,7 +7995,7 @@
                 <a:solidFill>
                   <a:srgbClr val="000000"/>
                 </a:solidFill>
-                <a:latin typeface="Calibri"/>
+                <a:latin typeface="Calibri" panose="020F0502020204030204"/>
                 <a:ea typeface="宋体" panose="02010600030101010101" pitchFamily="2" charset="-122"/>
                 <a:cs typeface="Times New Roman" panose="02020603050405020304"/>
                 <a:sym typeface="Times New Roman" panose="02020603050405020304"/>
@@ -8007,7 +8007,7 @@
                 <a:solidFill>
                   <a:srgbClr val="000000"/>
                 </a:solidFill>
-                <a:latin typeface="Calibri"/>
+                <a:latin typeface="Calibri" panose="020F0502020204030204"/>
                 <a:ea typeface="宋体" panose="02010600030101010101" pitchFamily="2" charset="-122"/>
                 <a:cs typeface="Times New Roman" panose="02020603050405020304"/>
                 <a:sym typeface="Times New Roman" panose="02020603050405020304"/>
@@ -8019,7 +8019,7 @@
                 <a:solidFill>
                   <a:srgbClr val="000000"/>
                 </a:solidFill>
-                <a:latin typeface="Calibri"/>
+                <a:latin typeface="Calibri" panose="020F0502020204030204"/>
                 <a:ea typeface="宋体" panose="02010600030101010101" pitchFamily="2" charset="-122"/>
                 <a:cs typeface="Times New Roman" panose="02020603050405020304"/>
                 <a:sym typeface="Times New Roman" panose="02020603050405020304"/>
@@ -8031,7 +8031,7 @@
                 <a:solidFill>
                   <a:srgbClr val="000000"/>
                 </a:solidFill>
-                <a:latin typeface="Calibri"/>
+                <a:latin typeface="Calibri" panose="020F0502020204030204"/>
                 <a:ea typeface="宋体" panose="02010600030101010101" pitchFamily="2" charset="-122"/>
                 <a:cs typeface="Times New Roman" panose="02020603050405020304"/>
                 <a:sym typeface="Times New Roman" panose="02020603050405020304"/>
@@ -8043,7 +8043,7 @@
                 <a:solidFill>
                   <a:srgbClr val="000000"/>
                 </a:solidFill>
-                <a:latin typeface="Calibri"/>
+                <a:latin typeface="Calibri" panose="020F0502020204030204"/>
                 <a:ea typeface="宋体" panose="02010600030101010101" pitchFamily="2" charset="-122"/>
                 <a:cs typeface="Times New Roman" panose="02020603050405020304"/>
                 <a:sym typeface="Times New Roman" panose="02020603050405020304"/>
@@ -8054,7 +8054,7 @@
               <a:solidFill>
                 <a:srgbClr val="000000"/>
               </a:solidFill>
-              <a:latin typeface="Calibri"/>
+              <a:latin typeface="Calibri" panose="020F0502020204030204"/>
               <a:ea typeface="宋体" panose="02010600030101010101" pitchFamily="2" charset="-122"/>
               <a:cs typeface="Times New Roman" panose="02020603050405020304"/>
               <a:sym typeface="Times New Roman" panose="02020603050405020304"/>
@@ -8067,7 +8067,7 @@
                 <a:solidFill>
                   <a:srgbClr val="000000"/>
                 </a:solidFill>
-                <a:latin typeface="Calibri"/>
+                <a:latin typeface="Calibri" panose="020F0502020204030204"/>
                 <a:ea typeface="宋体" panose="02010600030101010101" pitchFamily="2" charset="-122"/>
                 <a:cs typeface="Times New Roman" panose="02020603050405020304"/>
                 <a:sym typeface="Times New Roman" panose="02020603050405020304"/>
@@ -8078,7 +8078,7 @@
               <a:solidFill>
                 <a:srgbClr val="000000"/>
               </a:solidFill>
-              <a:latin typeface="Calibri"/>
+              <a:latin typeface="Calibri" panose="020F0502020204030204"/>
               <a:ea typeface="宋体" panose="02010600030101010101" pitchFamily="2" charset="-122"/>
               <a:cs typeface="Times New Roman" panose="02020603050405020304"/>
               <a:sym typeface="Times New Roman" panose="02020603050405020304"/>
@@ -8091,7 +8091,7 @@
                 <a:solidFill>
                   <a:srgbClr val="000000"/>
                 </a:solidFill>
-                <a:latin typeface="Calibri"/>
+                <a:latin typeface="Calibri" panose="020F0502020204030204"/>
                 <a:ea typeface="宋体" panose="02010600030101010101" pitchFamily="2" charset="-122"/>
                 <a:cs typeface="Times New Roman" panose="02020603050405020304"/>
                 <a:sym typeface="Times New Roman" panose="02020603050405020304"/>
@@ -8102,7 +8102,7 @@
               <a:solidFill>
                 <a:srgbClr val="000000"/>
               </a:solidFill>
-              <a:latin typeface="Calibri"/>
+              <a:latin typeface="Calibri" panose="020F0502020204030204"/>
               <a:ea typeface="宋体" panose="02010600030101010101" pitchFamily="2" charset="-122"/>
               <a:cs typeface="Times New Roman" panose="02020603050405020304"/>
               <a:sym typeface="Times New Roman" panose="02020603050405020304"/>
@@ -8154,7 +8154,7 @@
                 <a:solidFill>
                   <a:srgbClr val="000000"/>
                 </a:solidFill>
-                <a:latin typeface="Calibri"/>
+                <a:latin typeface="Calibri" panose="020F0502020204030204"/>
                 <a:ea typeface="宋体" panose="02010600030101010101" pitchFamily="2" charset="-122"/>
                 <a:cs typeface="Times New Roman" panose="02020603050405020304"/>
                 <a:sym typeface="Times New Roman" panose="02020603050405020304"/>
@@ -8165,7 +8165,7 @@
               <a:solidFill>
                 <a:srgbClr val="000000"/>
               </a:solidFill>
-              <a:latin typeface="Calibri"/>
+              <a:latin typeface="Calibri" panose="020F0502020204030204"/>
               <a:ea typeface="宋体" panose="02010600030101010101" pitchFamily="2" charset="-122"/>
               <a:cs typeface="Times New Roman" panose="02020603050405020304"/>
               <a:sym typeface="Times New Roman" panose="02020603050405020304"/>
@@ -8178,7 +8178,7 @@
                 <a:solidFill>
                   <a:srgbClr val="000000"/>
                 </a:solidFill>
-                <a:latin typeface="Calibri"/>
+                <a:latin typeface="Calibri" panose="020F0502020204030204"/>
                 <a:ea typeface="宋体" panose="02010600030101010101" pitchFamily="2" charset="-122"/>
                 <a:cs typeface="Times New Roman" panose="02020603050405020304"/>
                 <a:sym typeface="Times New Roman" panose="02020603050405020304"/>
@@ -8189,7 +8189,7 @@
               <a:solidFill>
                 <a:srgbClr val="000000"/>
               </a:solidFill>
-              <a:latin typeface="Calibri"/>
+              <a:latin typeface="Calibri" panose="020F0502020204030204"/>
               <a:ea typeface="宋体" panose="02010600030101010101" pitchFamily="2" charset="-122"/>
               <a:cs typeface="Times New Roman" panose="02020603050405020304"/>
               <a:sym typeface="Times New Roman" panose="02020603050405020304"/>
@@ -8202,7 +8202,7 @@
                 <a:solidFill>
                   <a:srgbClr val="000000"/>
                 </a:solidFill>
-                <a:latin typeface="Calibri"/>
+                <a:latin typeface="Calibri" panose="020F0502020204030204"/>
                 <a:ea typeface="宋体" panose="02010600030101010101" pitchFamily="2" charset="-122"/>
                 <a:cs typeface="Times New Roman" panose="02020603050405020304"/>
                 <a:sym typeface="Times New Roman" panose="02020603050405020304"/>
@@ -8214,7 +8214,7 @@
                 <a:solidFill>
                   <a:srgbClr val="000000"/>
                 </a:solidFill>
-                <a:latin typeface="Calibri"/>
+                <a:latin typeface="Calibri" panose="020F0502020204030204"/>
                 <a:ea typeface="宋体" panose="02010600030101010101" pitchFamily="2" charset="-122"/>
                 <a:cs typeface="Times New Roman" panose="02020603050405020304"/>
                 <a:sym typeface="Times New Roman" panose="02020603050405020304"/>
@@ -8226,7 +8226,7 @@
                 <a:solidFill>
                   <a:srgbClr val="000000"/>
                 </a:solidFill>
-                <a:latin typeface="Calibri"/>
+                <a:latin typeface="Calibri" panose="020F0502020204030204"/>
                 <a:ea typeface="宋体" panose="02010600030101010101" pitchFamily="2" charset="-122"/>
                 <a:cs typeface="Times New Roman" panose="02020603050405020304"/>
                 <a:sym typeface="Times New Roman" panose="02020603050405020304"/>
@@ -8237,7 +8237,7 @@
               <a:solidFill>
                 <a:srgbClr val="000000"/>
               </a:solidFill>
-              <a:latin typeface="Calibri"/>
+              <a:latin typeface="Calibri" panose="020F0502020204030204"/>
               <a:ea typeface="宋体" panose="02010600030101010101" pitchFamily="2" charset="-122"/>
               <a:cs typeface="Times New Roman" panose="02020603050405020304"/>
               <a:sym typeface="Times New Roman" panose="02020603050405020304"/>
@@ -8250,7 +8250,7 @@
                 <a:solidFill>
                   <a:srgbClr val="000000"/>
                 </a:solidFill>
-                <a:latin typeface="Calibri"/>
+                <a:latin typeface="Calibri" panose="020F0502020204030204"/>
                 <a:ea typeface="宋体" panose="02010600030101010101" pitchFamily="2" charset="-122"/>
                 <a:cs typeface="Times New Roman" panose="02020603050405020304"/>
                 <a:sym typeface="Times New Roman" panose="02020603050405020304"/>
@@ -8262,7 +8262,7 @@
                 <a:solidFill>
                   <a:srgbClr val="000000"/>
                 </a:solidFill>
-                <a:latin typeface="Calibri"/>
+                <a:latin typeface="Calibri" panose="020F0502020204030204"/>
                 <a:ea typeface="宋体" panose="02010600030101010101" pitchFamily="2" charset="-122"/>
                 <a:cs typeface="Times New Roman" panose="02020603050405020304"/>
                 <a:sym typeface="Times New Roman" panose="02020603050405020304"/>
@@ -8274,7 +8274,7 @@
                 <a:solidFill>
                   <a:srgbClr val="000000"/>
                 </a:solidFill>
-                <a:latin typeface="Calibri"/>
+                <a:latin typeface="Calibri" panose="020F0502020204030204"/>
                 <a:ea typeface="宋体" panose="02010600030101010101" pitchFamily="2" charset="-122"/>
                 <a:cs typeface="Times New Roman" panose="02020603050405020304"/>
                 <a:sym typeface="Times New Roman" panose="02020603050405020304"/>
@@ -8285,7 +8285,7 @@
               <a:solidFill>
                 <a:srgbClr val="000000"/>
               </a:solidFill>
-              <a:latin typeface="Calibri"/>
+              <a:latin typeface="Calibri" panose="020F0502020204030204"/>
               <a:ea typeface="宋体" panose="02010600030101010101" pitchFamily="2" charset="-122"/>
               <a:cs typeface="Times New Roman" panose="02020603050405020304"/>
               <a:sym typeface="Times New Roman" panose="02020603050405020304"/>
@@ -8297,7 +8297,7 @@
               <a:solidFill>
                 <a:srgbClr val="000000"/>
               </a:solidFill>
-              <a:latin typeface="Calibri"/>
+              <a:latin typeface="Calibri" panose="020F0502020204030204"/>
               <a:ea typeface="宋体" panose="02010600030101010101" pitchFamily="2" charset="-122"/>
               <a:cs typeface="Times New Roman" panose="02020603050405020304"/>
               <a:sym typeface="Times New Roman" panose="02020603050405020304"/>
@@ -8310,7 +8310,7 @@
                 <a:solidFill>
                   <a:srgbClr val="000000"/>
                 </a:solidFill>
-                <a:latin typeface="Calibri"/>
+                <a:latin typeface="Calibri" panose="020F0502020204030204"/>
                 <a:ea typeface="宋体" panose="02010600030101010101" pitchFamily="2" charset="-122"/>
                 <a:cs typeface="Times New Roman" panose="02020603050405020304"/>
                 <a:sym typeface="Times New Roman" panose="02020603050405020304"/>
@@ -8322,7 +8322,7 @@
                 <a:solidFill>
                   <a:srgbClr val="000000"/>
                 </a:solidFill>
-                <a:latin typeface="Calibri"/>
+                <a:latin typeface="Calibri" panose="020F0502020204030204"/>
                 <a:ea typeface="宋体" panose="02010600030101010101" pitchFamily="2" charset="-122"/>
                 <a:cs typeface="Times New Roman" panose="02020603050405020304"/>
                 <a:sym typeface="Times New Roman" panose="02020603050405020304"/>
@@ -8334,7 +8334,7 @@
                 <a:solidFill>
                   <a:srgbClr val="000000"/>
                 </a:solidFill>
-                <a:latin typeface="Calibri"/>
+                <a:latin typeface="Calibri" panose="020F0502020204030204"/>
                 <a:ea typeface="宋体" panose="02010600030101010101" pitchFamily="2" charset="-122"/>
                 <a:cs typeface="Times New Roman" panose="02020603050405020304"/>
                 <a:sym typeface="Times New Roman" panose="02020603050405020304"/>
@@ -8346,7 +8346,7 @@
                 <a:solidFill>
                   <a:srgbClr val="000000"/>
                 </a:solidFill>
-                <a:latin typeface="Calibri"/>
+                <a:latin typeface="Calibri" panose="020F0502020204030204"/>
                 <a:ea typeface="宋体" panose="02010600030101010101" pitchFamily="2" charset="-122"/>
                 <a:cs typeface="Times New Roman" panose="02020603050405020304"/>
                 <a:sym typeface="Times New Roman" panose="02020603050405020304"/>
@@ -8358,7 +8358,7 @@
                 <a:solidFill>
                   <a:srgbClr val="000000"/>
                 </a:solidFill>
-                <a:latin typeface="Calibri"/>
+                <a:latin typeface="Calibri" panose="020F0502020204030204"/>
                 <a:ea typeface="宋体" panose="02010600030101010101" pitchFamily="2" charset="-122"/>
                 <a:cs typeface="Times New Roman" panose="02020603050405020304"/>
                 <a:sym typeface="Times New Roman" panose="02020603050405020304"/>
@@ -8369,7 +8369,7 @@
               <a:solidFill>
                 <a:srgbClr val="000000"/>
               </a:solidFill>
-              <a:latin typeface="Calibri"/>
+              <a:latin typeface="Calibri" panose="020F0502020204030204"/>
               <a:ea typeface="宋体" panose="02010600030101010101" pitchFamily="2" charset="-122"/>
               <a:cs typeface="Times New Roman" panose="02020603050405020304"/>
               <a:sym typeface="Times New Roman" panose="02020603050405020304"/>
@@ -8382,7 +8382,7 @@
                 <a:solidFill>
                   <a:srgbClr val="000000"/>
                 </a:solidFill>
-                <a:latin typeface="Calibri"/>
+                <a:latin typeface="Calibri" panose="020F0502020204030204"/>
                 <a:ea typeface="宋体" panose="02010600030101010101" pitchFamily="2" charset="-122"/>
                 <a:cs typeface="Times New Roman" panose="02020603050405020304"/>
                 <a:sym typeface="Times New Roman" panose="02020603050405020304"/>
@@ -8393,7 +8393,7 @@
               <a:solidFill>
                 <a:srgbClr val="000000"/>
               </a:solidFill>
-              <a:latin typeface="Calibri"/>
+              <a:latin typeface="Calibri" panose="020F0502020204030204"/>
               <a:ea typeface="宋体" panose="02010600030101010101" pitchFamily="2" charset="-122"/>
               <a:cs typeface="Times New Roman" panose="02020603050405020304"/>
               <a:sym typeface="Times New Roman" panose="02020603050405020304"/>
@@ -8406,7 +8406,7 @@
                 <a:solidFill>
                   <a:srgbClr val="000000"/>
                 </a:solidFill>
-                <a:latin typeface="Calibri"/>
+                <a:latin typeface="Calibri" panose="020F0502020204030204"/>
                 <a:ea typeface="宋体" panose="02010600030101010101" pitchFamily="2" charset="-122"/>
                 <a:cs typeface="Times New Roman" panose="02020603050405020304"/>
                 <a:sym typeface="Times New Roman" panose="02020603050405020304"/>
@@ -8417,7 +8417,7 @@
               <a:solidFill>
                 <a:srgbClr val="000000"/>
               </a:solidFill>
-              <a:latin typeface="Calibri"/>
+              <a:latin typeface="Calibri" panose="020F0502020204030204"/>
               <a:ea typeface="宋体" panose="02010600030101010101" pitchFamily="2" charset="-122"/>
               <a:cs typeface="Times New Roman" panose="02020603050405020304"/>
               <a:sym typeface="Times New Roman" panose="02020603050405020304"/>
@@ -8469,7 +8469,7 @@
                 <a:solidFill>
                   <a:srgbClr val="000000"/>
                 </a:solidFill>
-                <a:latin typeface="Calibri"/>
+                <a:latin typeface="Calibri" panose="020F0502020204030204"/>
                 <a:ea typeface="宋体" panose="02010600030101010101" pitchFamily="2" charset="-122"/>
                 <a:cs typeface="Times New Roman" panose="02020603050405020304"/>
                 <a:sym typeface="Times New Roman" panose="02020603050405020304"/>
@@ -8480,7 +8480,7 @@
               <a:solidFill>
                 <a:srgbClr val="000000"/>
               </a:solidFill>
-              <a:latin typeface="Calibri"/>
+              <a:latin typeface="Calibri" panose="020F0502020204030204"/>
               <a:ea typeface="宋体" panose="02010600030101010101" pitchFamily="2" charset="-122"/>
               <a:cs typeface="Times New Roman" panose="02020603050405020304"/>
               <a:sym typeface="Times New Roman" panose="02020603050405020304"/>
@@ -8493,7 +8493,7 @@
                 <a:solidFill>
                   <a:srgbClr val="000000"/>
                 </a:solidFill>
-                <a:latin typeface="Calibri"/>
+                <a:latin typeface="Calibri" panose="020F0502020204030204"/>
                 <a:ea typeface="宋体" panose="02010600030101010101" pitchFamily="2" charset="-122"/>
                 <a:cs typeface="Times New Roman" panose="02020603050405020304"/>
                 <a:sym typeface="Times New Roman" panose="02020603050405020304"/>
@@ -8505,7 +8505,7 @@
                 <a:solidFill>
                   <a:srgbClr val="000000"/>
                 </a:solidFill>
-                <a:latin typeface="Calibri"/>
+                <a:latin typeface="Calibri" panose="020F0502020204030204"/>
                 <a:ea typeface="宋体" panose="02010600030101010101" pitchFamily="2" charset="-122"/>
                 <a:cs typeface="Times New Roman" panose="02020603050405020304"/>
                 <a:sym typeface="Times New Roman" panose="02020603050405020304"/>
@@ -8517,7 +8517,7 @@
                 <a:solidFill>
                   <a:srgbClr val="000000"/>
                 </a:solidFill>
-                <a:latin typeface="Calibri"/>
+                <a:latin typeface="Calibri" panose="020F0502020204030204"/>
                 <a:ea typeface="宋体" panose="02010600030101010101" pitchFamily="2" charset="-122"/>
                 <a:cs typeface="Times New Roman" panose="02020603050405020304"/>
                 <a:sym typeface="Times New Roman" panose="02020603050405020304"/>
@@ -8529,7 +8529,7 @@
                 <a:solidFill>
                   <a:srgbClr val="000000"/>
                 </a:solidFill>
-                <a:latin typeface="Calibri"/>
+                <a:latin typeface="Calibri" panose="020F0502020204030204"/>
                 <a:ea typeface="宋体" panose="02010600030101010101" pitchFamily="2" charset="-122"/>
                 <a:cs typeface="Times New Roman" panose="02020603050405020304"/>
                 <a:sym typeface="Times New Roman" panose="02020603050405020304"/>
@@ -8541,7 +8541,7 @@
                 <a:solidFill>
                   <a:srgbClr val="000000"/>
                 </a:solidFill>
-                <a:latin typeface="Calibri"/>
+                <a:latin typeface="Calibri" panose="020F0502020204030204"/>
                 <a:ea typeface="宋体" panose="02010600030101010101" pitchFamily="2" charset="-122"/>
                 <a:cs typeface="Times New Roman" panose="02020603050405020304"/>
                 <a:sym typeface="Times New Roman" panose="02020603050405020304"/>
@@ -8553,7 +8553,7 @@
                 <a:solidFill>
                   <a:srgbClr val="000000"/>
                 </a:solidFill>
-                <a:latin typeface="Calibri"/>
+                <a:latin typeface="Calibri" panose="020F0502020204030204"/>
                 <a:ea typeface="宋体" panose="02010600030101010101" pitchFamily="2" charset="-122"/>
                 <a:cs typeface="Times New Roman" panose="02020603050405020304"/>
                 <a:sym typeface="Times New Roman" panose="02020603050405020304"/>
@@ -8565,7 +8565,7 @@
                 <a:solidFill>
                   <a:srgbClr val="000000"/>
                 </a:solidFill>
-                <a:latin typeface="Calibri"/>
+                <a:latin typeface="Calibri" panose="020F0502020204030204"/>
                 <a:ea typeface="宋体" panose="02010600030101010101" pitchFamily="2" charset="-122"/>
                 <a:cs typeface="Times New Roman" panose="02020603050405020304"/>
                 <a:sym typeface="Times New Roman" panose="02020603050405020304"/>
@@ -8577,7 +8577,7 @@
                 <a:solidFill>
                   <a:srgbClr val="000000"/>
                 </a:solidFill>
-                <a:latin typeface="Calibri"/>
+                <a:latin typeface="Calibri" panose="020F0502020204030204"/>
                 <a:ea typeface="宋体" panose="02010600030101010101" pitchFamily="2" charset="-122"/>
                 <a:cs typeface="Times New Roman" panose="02020603050405020304"/>
                 <a:sym typeface="Times New Roman" panose="02020603050405020304"/>
@@ -8589,7 +8589,7 @@
                 <a:solidFill>
                   <a:srgbClr val="000000"/>
                 </a:solidFill>
-                <a:latin typeface="Calibri"/>
+                <a:latin typeface="Calibri" panose="020F0502020204030204"/>
                 <a:ea typeface="宋体" panose="02010600030101010101" pitchFamily="2" charset="-122"/>
                 <a:cs typeface="Times New Roman" panose="02020603050405020304"/>
                 <a:sym typeface="Times New Roman" panose="02020603050405020304"/>
@@ -8601,7 +8601,7 @@
                 <a:solidFill>
                   <a:srgbClr val="000000"/>
                 </a:solidFill>
-                <a:latin typeface="Calibri"/>
+                <a:latin typeface="Calibri" panose="020F0502020204030204"/>
                 <a:ea typeface="宋体" panose="02010600030101010101" pitchFamily="2" charset="-122"/>
                 <a:cs typeface="Times New Roman" panose="02020603050405020304"/>
                 <a:sym typeface="Times New Roman" panose="02020603050405020304"/>
@@ -8613,7 +8613,7 @@
                 <a:solidFill>
                   <a:srgbClr val="000000"/>
                 </a:solidFill>
-                <a:latin typeface="Calibri"/>
+                <a:latin typeface="Calibri" panose="020F0502020204030204"/>
                 <a:ea typeface="宋体" panose="02010600030101010101" pitchFamily="2" charset="-122"/>
                 <a:cs typeface="Times New Roman" panose="02020603050405020304"/>
                 <a:sym typeface="Times New Roman" panose="02020603050405020304"/>
@@ -8625,7 +8625,7 @@
                 <a:solidFill>
                   <a:srgbClr val="000000"/>
                 </a:solidFill>
-                <a:latin typeface="Calibri"/>
+                <a:latin typeface="Calibri" panose="020F0502020204030204"/>
                 <a:ea typeface="宋体" panose="02010600030101010101" pitchFamily="2" charset="-122"/>
                 <a:cs typeface="Times New Roman" panose="02020603050405020304"/>
                 <a:sym typeface="Times New Roman" panose="02020603050405020304"/>
@@ -8637,7 +8637,7 @@
                 <a:solidFill>
                   <a:srgbClr val="000000"/>
                 </a:solidFill>
-                <a:latin typeface="Calibri"/>
+                <a:latin typeface="Calibri" panose="020F0502020204030204"/>
                 <a:ea typeface="宋体" panose="02010600030101010101" pitchFamily="2" charset="-122"/>
                 <a:cs typeface="Times New Roman" panose="02020603050405020304"/>
                 <a:sym typeface="Times New Roman" panose="02020603050405020304"/>
@@ -8649,7 +8649,7 @@
                 <a:solidFill>
                   <a:srgbClr val="000000"/>
                 </a:solidFill>
-                <a:latin typeface="Calibri"/>
+                <a:latin typeface="Calibri" panose="020F0502020204030204"/>
                 <a:ea typeface="宋体" panose="02010600030101010101" pitchFamily="2" charset="-122"/>
                 <a:cs typeface="Times New Roman" panose="02020603050405020304"/>
                 <a:sym typeface="Times New Roman" panose="02020603050405020304"/>
@@ -8660,7 +8660,7 @@
               <a:solidFill>
                 <a:srgbClr val="000000"/>
               </a:solidFill>
-              <a:latin typeface="Calibri"/>
+              <a:latin typeface="Calibri" panose="020F0502020204030204"/>
               <a:ea typeface="宋体" panose="02010600030101010101" pitchFamily="2" charset="-122"/>
               <a:cs typeface="Times New Roman" panose="02020603050405020304"/>
               <a:sym typeface="Times New Roman" panose="02020603050405020304"/>
@@ -8673,7 +8673,7 @@
                 <a:solidFill>
                   <a:srgbClr val="000000"/>
                 </a:solidFill>
-                <a:latin typeface="Calibri"/>
+                <a:latin typeface="Calibri" panose="020F0502020204030204"/>
                 <a:ea typeface="宋体" panose="02010600030101010101" pitchFamily="2" charset="-122"/>
                 <a:cs typeface="Times New Roman" panose="02020603050405020304"/>
                 <a:sym typeface="Times New Roman" panose="02020603050405020304"/>
@@ -8684,7 +8684,7 @@
               <a:solidFill>
                 <a:srgbClr val="000000"/>
               </a:solidFill>
-              <a:latin typeface="Calibri"/>
+              <a:latin typeface="Calibri" panose="020F0502020204030204"/>
               <a:ea typeface="宋体" panose="02010600030101010101" pitchFamily="2" charset="-122"/>
               <a:cs typeface="Times New Roman" panose="02020603050405020304"/>
               <a:sym typeface="Times New Roman" panose="02020603050405020304"/>
@@ -8765,7 +8765,7 @@
                 <a:solidFill>
                   <a:srgbClr val="000000"/>
                 </a:solidFill>
-                <a:latin typeface="Calibri"/>
+                <a:latin typeface="Calibri" panose="020F0502020204030204"/>
                 <a:ea typeface="宋体" panose="02010600030101010101" pitchFamily="2" charset="-122"/>
                 <a:cs typeface="Times New Roman" panose="02020603050405020304"/>
                 <a:sym typeface="Times New Roman" panose="02020603050405020304"/>
@@ -8776,7 +8776,7 @@
               <a:solidFill>
                 <a:srgbClr val="000000"/>
               </a:solidFill>
-              <a:latin typeface="Calibri"/>
+              <a:latin typeface="Calibri" panose="020F0502020204030204"/>
               <a:ea typeface="宋体" panose="02010600030101010101" pitchFamily="2" charset="-122"/>
               <a:cs typeface="Times New Roman" panose="02020603050405020304"/>
               <a:sym typeface="Times New Roman" panose="02020603050405020304"/>
@@ -8828,7 +8828,7 @@
                 <a:solidFill>
                   <a:srgbClr val="000000"/>
                 </a:solidFill>
-                <a:latin typeface="Calibri"/>
+                <a:latin typeface="Calibri" panose="020F0502020204030204"/>
                 <a:ea typeface="宋体" panose="02010600030101010101" pitchFamily="2" charset="-122"/>
                 <a:cs typeface="Times New Roman" panose="02020603050405020304"/>
                 <a:sym typeface="Times New Roman" panose="02020603050405020304"/>
@@ -8839,7 +8839,7 @@
               <a:solidFill>
                 <a:srgbClr val="000000"/>
               </a:solidFill>
-              <a:latin typeface="Calibri"/>
+              <a:latin typeface="Calibri" panose="020F0502020204030204"/>
               <a:ea typeface="宋体" panose="02010600030101010101" pitchFamily="2" charset="-122"/>
               <a:cs typeface="Times New Roman" panose="02020603050405020304"/>
               <a:sym typeface="Times New Roman" panose="02020603050405020304"/>
@@ -8852,7 +8852,7 @@
                 <a:solidFill>
                   <a:srgbClr val="000000"/>
                 </a:solidFill>
-                <a:latin typeface="Calibri"/>
+                <a:latin typeface="Calibri" panose="020F0502020204030204"/>
                 <a:ea typeface="宋体" panose="02010600030101010101" pitchFamily="2" charset="-122"/>
                 <a:cs typeface="Times New Roman" panose="02020603050405020304"/>
                 <a:sym typeface="Times New Roman" panose="02020603050405020304"/>
@@ -8863,7 +8863,7 @@
               <a:solidFill>
                 <a:srgbClr val="000000"/>
               </a:solidFill>
-              <a:latin typeface="Calibri"/>
+              <a:latin typeface="Calibri" panose="020F0502020204030204"/>
               <a:ea typeface="宋体" panose="02010600030101010101" pitchFamily="2" charset="-122"/>
               <a:cs typeface="Times New Roman" panose="02020603050405020304"/>
               <a:sym typeface="Times New Roman" panose="02020603050405020304"/>
@@ -8876,7 +8876,7 @@
                 <a:solidFill>
                   <a:srgbClr val="000000"/>
                 </a:solidFill>
-                <a:latin typeface="Calibri"/>
+                <a:latin typeface="Calibri" panose="020F0502020204030204"/>
                 <a:ea typeface="宋体" panose="02010600030101010101" pitchFamily="2" charset="-122"/>
                 <a:cs typeface="Times New Roman" panose="02020603050405020304"/>
                 <a:sym typeface="Times New Roman" panose="02020603050405020304"/>
@@ -8887,7 +8887,7 @@
               <a:solidFill>
                 <a:srgbClr val="000000"/>
               </a:solidFill>
-              <a:latin typeface="Calibri"/>
+              <a:latin typeface="Calibri" panose="020F0502020204030204"/>
               <a:ea typeface="宋体" panose="02010600030101010101" pitchFamily="2" charset="-122"/>
               <a:cs typeface="Times New Roman" panose="02020603050405020304"/>
               <a:sym typeface="Times New Roman" panose="02020603050405020304"/>
@@ -8939,7 +8939,7 @@
                 <a:solidFill>
                   <a:srgbClr val="000000"/>
                 </a:solidFill>
-                <a:latin typeface="Calibri"/>
+                <a:latin typeface="Calibri" panose="020F0502020204030204"/>
                 <a:ea typeface="宋体" panose="02010600030101010101" pitchFamily="2" charset="-122"/>
                 <a:cs typeface="Times New Roman" panose="02020603050405020304"/>
                 <a:sym typeface="Times New Roman" panose="02020603050405020304"/>
@@ -8950,7 +8950,7 @@
               <a:solidFill>
                 <a:srgbClr val="000000"/>
               </a:solidFill>
-              <a:latin typeface="Calibri"/>
+              <a:latin typeface="Calibri" panose="020F0502020204030204"/>
               <a:ea typeface="宋体" panose="02010600030101010101" pitchFamily="2" charset="-122"/>
               <a:cs typeface="Times New Roman" panose="02020603050405020304"/>
               <a:sym typeface="Times New Roman" panose="02020603050405020304"/>
@@ -8963,7 +8963,7 @@
                 <a:solidFill>
                   <a:srgbClr val="000000"/>
                 </a:solidFill>
-                <a:latin typeface="Calibri"/>
+                <a:latin typeface="Calibri" panose="020F0502020204030204"/>
                 <a:ea typeface="宋体" panose="02010600030101010101" pitchFamily="2" charset="-122"/>
                 <a:cs typeface="Times New Roman" panose="02020603050405020304"/>
                 <a:sym typeface="Times New Roman" panose="02020603050405020304"/>
@@ -8975,7 +8975,7 @@
                 <a:solidFill>
                   <a:srgbClr val="000000"/>
                 </a:solidFill>
-                <a:latin typeface="Calibri"/>
+                <a:latin typeface="Calibri" panose="020F0502020204030204"/>
                 <a:ea typeface="宋体" panose="02010600030101010101" pitchFamily="2" charset="-122"/>
                 <a:cs typeface="Times New Roman" panose="02020603050405020304"/>
                 <a:sym typeface="Times New Roman" panose="02020603050405020304"/>
@@ -8986,7 +8986,7 @@
               <a:solidFill>
                 <a:srgbClr val="000000"/>
               </a:solidFill>
-              <a:latin typeface="Calibri"/>
+              <a:latin typeface="Calibri" panose="020F0502020204030204"/>
               <a:ea typeface="宋体" panose="02010600030101010101" pitchFamily="2" charset="-122"/>
               <a:cs typeface="Times New Roman" panose="02020603050405020304"/>
               <a:sym typeface="Times New Roman" panose="02020603050405020304"/>
@@ -9038,7 +9038,7 @@
                 <a:solidFill>
                   <a:srgbClr val="000000"/>
                 </a:solidFill>
-                <a:latin typeface="Calibri"/>
+                <a:latin typeface="Calibri" panose="020F0502020204030204"/>
                 <a:ea typeface="宋体" panose="02010600030101010101" pitchFamily="2" charset="-122"/>
                 <a:cs typeface="Times New Roman" panose="02020603050405020304"/>
                 <a:sym typeface="Times New Roman" panose="02020603050405020304"/>
@@ -9049,7 +9049,7 @@
               <a:solidFill>
                 <a:srgbClr val="000000"/>
               </a:solidFill>
-              <a:latin typeface="Calibri"/>
+              <a:latin typeface="Calibri" panose="020F0502020204030204"/>
               <a:ea typeface="宋体" panose="02010600030101010101" pitchFamily="2" charset="-122"/>
               <a:cs typeface="Times New Roman" panose="02020603050405020304"/>
               <a:sym typeface="Times New Roman" panose="02020603050405020304"/>
@@ -9062,7 +9062,7 @@
                 <a:solidFill>
                   <a:srgbClr val="000000"/>
                 </a:solidFill>
-                <a:latin typeface="Calibri"/>
+                <a:latin typeface="Calibri" panose="020F0502020204030204"/>
                 <a:ea typeface="宋体" panose="02010600030101010101" pitchFamily="2" charset="-122"/>
                 <a:cs typeface="Times New Roman" panose="02020603050405020304"/>
                 <a:sym typeface="Times New Roman" panose="02020603050405020304"/>
@@ -9074,7 +9074,7 @@
                 <a:solidFill>
                   <a:srgbClr val="000000"/>
                 </a:solidFill>
-                <a:latin typeface="Calibri"/>
+                <a:latin typeface="Calibri" panose="020F0502020204030204"/>
                 <a:ea typeface="宋体" panose="02010600030101010101" pitchFamily="2" charset="-122"/>
                 <a:cs typeface="Times New Roman" panose="02020603050405020304"/>
                 <a:sym typeface="Times New Roman" panose="02020603050405020304"/>
@@ -9086,7 +9086,7 @@
                 <a:solidFill>
                   <a:srgbClr val="000000"/>
                 </a:solidFill>
-                <a:latin typeface="Calibri"/>
+                <a:latin typeface="Calibri" panose="020F0502020204030204"/>
                 <a:ea typeface="宋体" panose="02010600030101010101" pitchFamily="2" charset="-122"/>
                 <a:cs typeface="Times New Roman" panose="02020603050405020304"/>
                 <a:sym typeface="Times New Roman" panose="02020603050405020304"/>
@@ -9098,7 +9098,7 @@
                 <a:solidFill>
                   <a:srgbClr val="000000"/>
                 </a:solidFill>
-                <a:latin typeface="Calibri"/>
+                <a:latin typeface="Calibri" panose="020F0502020204030204"/>
                 <a:ea typeface="宋体" panose="02010600030101010101" pitchFamily="2" charset="-122"/>
                 <a:cs typeface="Times New Roman" panose="02020603050405020304"/>
                 <a:sym typeface="Times New Roman" panose="02020603050405020304"/>
@@ -9110,7 +9110,7 @@
                 <a:solidFill>
                   <a:srgbClr val="000000"/>
                 </a:solidFill>
-                <a:latin typeface="Calibri"/>
+                <a:latin typeface="Calibri" panose="020F0502020204030204"/>
                 <a:ea typeface="宋体" panose="02010600030101010101" pitchFamily="2" charset="-122"/>
                 <a:cs typeface="Times New Roman" panose="02020603050405020304"/>
                 <a:sym typeface="Times New Roman" panose="02020603050405020304"/>
@@ -9121,7 +9121,7 @@
               <a:solidFill>
                 <a:srgbClr val="000000"/>
               </a:solidFill>
-              <a:latin typeface="Calibri"/>
+              <a:latin typeface="Calibri" panose="020F0502020204030204"/>
               <a:ea typeface="宋体" panose="02010600030101010101" pitchFamily="2" charset="-122"/>
               <a:cs typeface="Times New Roman" panose="02020603050405020304"/>
               <a:sym typeface="Times New Roman" panose="02020603050405020304"/>
@@ -9134,7 +9134,7 @@
                 <a:solidFill>
                   <a:srgbClr val="000000"/>
                 </a:solidFill>
-                <a:latin typeface="Calibri"/>
+                <a:latin typeface="Calibri" panose="020F0502020204030204"/>
                 <a:ea typeface="宋体" panose="02010600030101010101" pitchFamily="2" charset="-122"/>
                 <a:cs typeface="Times New Roman" panose="02020603050405020304"/>
                 <a:sym typeface="Times New Roman" panose="02020603050405020304"/>
@@ -9145,7 +9145,7 @@
               <a:solidFill>
                 <a:srgbClr val="000000"/>
               </a:solidFill>
-              <a:latin typeface="Calibri"/>
+              <a:latin typeface="Calibri" panose="020F0502020204030204"/>
               <a:ea typeface="宋体" panose="02010600030101010101" pitchFamily="2" charset="-122"/>
               <a:cs typeface="Times New Roman" panose="02020603050405020304"/>
               <a:sym typeface="Times New Roman" panose="02020603050405020304"/>
@@ -9197,7 +9197,7 @@
                 <a:solidFill>
                   <a:srgbClr val="000000"/>
                 </a:solidFill>
-                <a:latin typeface="Calibri"/>
+                <a:latin typeface="Calibri" panose="020F0502020204030204"/>
                 <a:ea typeface="宋体" panose="02010600030101010101" pitchFamily="2" charset="-122"/>
                 <a:cs typeface="Times New Roman" panose="02020603050405020304"/>
                 <a:sym typeface="Times New Roman" panose="02020603050405020304"/>
@@ -9208,7 +9208,7 @@
               <a:solidFill>
                 <a:srgbClr val="000000"/>
               </a:solidFill>
-              <a:latin typeface="Calibri"/>
+              <a:latin typeface="Calibri" panose="020F0502020204030204"/>
               <a:ea typeface="宋体" panose="02010600030101010101" pitchFamily="2" charset="-122"/>
               <a:cs typeface="Times New Roman" panose="02020603050405020304"/>
               <a:sym typeface="Times New Roman" panose="02020603050405020304"/>
@@ -9221,7 +9221,7 @@
                 <a:solidFill>
                   <a:srgbClr val="000000"/>
                 </a:solidFill>
-                <a:latin typeface="Calibri"/>
+                <a:latin typeface="Calibri" panose="020F0502020204030204"/>
                 <a:ea typeface="宋体" panose="02010600030101010101" pitchFamily="2" charset="-122"/>
                 <a:cs typeface="Times New Roman" panose="02020603050405020304"/>
                 <a:sym typeface="Times New Roman" panose="02020603050405020304"/>
@@ -9233,7 +9233,7 @@
                 <a:solidFill>
                   <a:srgbClr val="000000"/>
                 </a:solidFill>
-                <a:latin typeface="Calibri"/>
+                <a:latin typeface="Calibri" panose="020F0502020204030204"/>
                 <a:ea typeface="宋体" panose="02010600030101010101" pitchFamily="2" charset="-122"/>
                 <a:cs typeface="Times New Roman" panose="02020603050405020304"/>
                 <a:sym typeface="Times New Roman" panose="02020603050405020304"/>
@@ -9244,7 +9244,7 @@
               <a:solidFill>
                 <a:srgbClr val="000000"/>
               </a:solidFill>
-              <a:latin typeface="Calibri"/>
+              <a:latin typeface="Calibri" panose="020F0502020204030204"/>
               <a:ea typeface="宋体" panose="02010600030101010101" pitchFamily="2" charset="-122"/>
               <a:cs typeface="Times New Roman" panose="02020603050405020304"/>
               <a:sym typeface="Times New Roman" panose="02020603050405020304"/>
@@ -9296,7 +9296,7 @@
                 <a:solidFill>
                   <a:srgbClr val="000000"/>
                 </a:solidFill>
-                <a:latin typeface="Calibri"/>
+                <a:latin typeface="Calibri" panose="020F0502020204030204"/>
                 <a:ea typeface="宋体" panose="02010600030101010101" pitchFamily="2" charset="-122"/>
                 <a:cs typeface="Times New Roman" panose="02020603050405020304"/>
                 <a:sym typeface="Times New Roman" panose="02020603050405020304"/>
@@ -9307,7 +9307,7 @@
               <a:solidFill>
                 <a:srgbClr val="000000"/>
               </a:solidFill>
-              <a:latin typeface="Calibri"/>
+              <a:latin typeface="Calibri" panose="020F0502020204030204"/>
               <a:ea typeface="宋体" panose="02010600030101010101" pitchFamily="2" charset="-122"/>
               <a:cs typeface="Times New Roman" panose="02020603050405020304"/>
               <a:sym typeface="Times New Roman" panose="02020603050405020304"/>
@@ -9320,7 +9320,7 @@
                 <a:solidFill>
                   <a:srgbClr val="000000"/>
                 </a:solidFill>
-                <a:latin typeface="Calibri"/>
+                <a:latin typeface="Calibri" panose="020F0502020204030204"/>
                 <a:ea typeface="宋体" panose="02010600030101010101" pitchFamily="2" charset="-122"/>
                 <a:cs typeface="Times New Roman" panose="02020603050405020304"/>
                 <a:sym typeface="Times New Roman" panose="02020603050405020304"/>
@@ -9332,7 +9332,7 @@
                 <a:solidFill>
                   <a:srgbClr val="000000"/>
                 </a:solidFill>
-                <a:latin typeface="Calibri"/>
+                <a:latin typeface="Calibri" panose="020F0502020204030204"/>
                 <a:ea typeface="宋体" panose="02010600030101010101" pitchFamily="2" charset="-122"/>
                 <a:cs typeface="Times New Roman" panose="02020603050405020304"/>
                 <a:sym typeface="Times New Roman" panose="02020603050405020304"/>
@@ -9343,7 +9343,7 @@
               <a:solidFill>
                 <a:srgbClr val="000000"/>
               </a:solidFill>
-              <a:latin typeface="Calibri"/>
+              <a:latin typeface="Calibri" panose="020F0502020204030204"/>
               <a:ea typeface="宋体" panose="02010600030101010101" pitchFamily="2" charset="-122"/>
               <a:cs typeface="Times New Roman" panose="02020603050405020304"/>
               <a:sym typeface="Times New Roman" panose="02020603050405020304"/>
